--- a/SmartHome.pptx
+++ b/SmartHome.pptx
@@ -7,9 +7,11 @@
   <p:sldIdLst>
     <p:sldId id="256" r:id="rId2"/>
     <p:sldId id="257" r:id="rId3"/>
-    <p:sldId id="258" r:id="rId4"/>
+    <p:sldId id="262" r:id="rId4"/>
     <p:sldId id="259" r:id="rId5"/>
     <p:sldId id="260" r:id="rId6"/>
+    <p:sldId id="271" r:id="rId7"/>
+    <p:sldId id="263" r:id="rId8"/>
   </p:sldIdLst>
   <p:sldSz cx="12192000" cy="6858000"/>
   <p:notesSz cx="6858000" cy="9144000"/>
@@ -108,6 +110,17 @@
       </a:defRPr>
     </a:lvl9pPr>
   </p:defaultTextStyle>
+  <p:extLst>
+    <p:ext uri="{EFAFB233-063F-42B5-8137-9DF3F51BA10A}">
+      <p15:sldGuideLst xmlns:p15="http://schemas.microsoft.com/office/powerpoint/2012/main">
+        <p15:guide id="1" pos="3840" userDrawn="1">
+          <p15:clr>
+            <a:srgbClr val="A4A3A4"/>
+          </p15:clr>
+        </p15:guide>
+      </p15:sldGuideLst>
+    </p:ext>
+  </p:extLst>
 </p:presentation>
 </file>
 
@@ -339,7 +352,7 @@
           <a:p>
             <a:fld id="{9E37E7FA-6307-45FC-9FD1-784EAB132C6A}" type="datetimeFigureOut">
               <a:rPr lang="fa-IR" smtClean="0"/>
-              <a:t>04/12/1446</a:t>
+              <a:t>03/03/1447</a:t>
             </a:fld>
             <a:endParaRPr lang="fa-IR"/>
           </a:p>
@@ -547,7 +560,7 @@
           <a:p>
             <a:fld id="{9E37E7FA-6307-45FC-9FD1-784EAB132C6A}" type="datetimeFigureOut">
               <a:rPr lang="fa-IR" smtClean="0"/>
-              <a:t>04/12/1446</a:t>
+              <a:t>03/03/1447</a:t>
             </a:fld>
             <a:endParaRPr lang="fa-IR"/>
           </a:p>
@@ -805,7 +818,7 @@
           <a:p>
             <a:fld id="{9E37E7FA-6307-45FC-9FD1-784EAB132C6A}" type="datetimeFigureOut">
               <a:rPr lang="fa-IR" smtClean="0"/>
-              <a:t>04/12/1446</a:t>
+              <a:t>03/03/1447</a:t>
             </a:fld>
             <a:endParaRPr lang="fa-IR"/>
           </a:p>
@@ -975,7 +988,7 @@
           <a:p>
             <a:fld id="{9E37E7FA-6307-45FC-9FD1-784EAB132C6A}" type="datetimeFigureOut">
               <a:rPr lang="fa-IR" smtClean="0"/>
-              <a:t>04/12/1446</a:t>
+              <a:t>03/03/1447</a:t>
             </a:fld>
             <a:endParaRPr lang="fa-IR"/>
           </a:p>
@@ -1312,7 +1325,7 @@
           <a:p>
             <a:fld id="{9E37E7FA-6307-45FC-9FD1-784EAB132C6A}" type="datetimeFigureOut">
               <a:rPr lang="fa-IR" smtClean="0"/>
-              <a:t>04/12/1446</a:t>
+              <a:t>03/03/1447</a:t>
             </a:fld>
             <a:endParaRPr lang="fa-IR"/>
           </a:p>
@@ -1587,7 +1600,7 @@
           <a:p>
             <a:fld id="{9E37E7FA-6307-45FC-9FD1-784EAB132C6A}" type="datetimeFigureOut">
               <a:rPr lang="fa-IR" smtClean="0"/>
-              <a:t>04/12/1446</a:t>
+              <a:t>03/03/1447</a:t>
             </a:fld>
             <a:endParaRPr lang="fa-IR"/>
           </a:p>
@@ -1970,7 +1983,7 @@
           <a:p>
             <a:fld id="{9E37E7FA-6307-45FC-9FD1-784EAB132C6A}" type="datetimeFigureOut">
               <a:rPr lang="fa-IR" smtClean="0"/>
-              <a:t>04/12/1446</a:t>
+              <a:t>03/03/1447</a:t>
             </a:fld>
             <a:endParaRPr lang="fa-IR"/>
           </a:p>
@@ -2088,7 +2101,7 @@
           <a:p>
             <a:fld id="{9E37E7FA-6307-45FC-9FD1-784EAB132C6A}" type="datetimeFigureOut">
               <a:rPr lang="fa-IR" smtClean="0"/>
-              <a:t>04/12/1446</a:t>
+              <a:t>03/03/1447</a:t>
             </a:fld>
             <a:endParaRPr lang="fa-IR"/>
           </a:p>
@@ -2261,7 +2274,7 @@
           <a:p>
             <a:fld id="{9E37E7FA-6307-45FC-9FD1-784EAB132C6A}" type="datetimeFigureOut">
               <a:rPr lang="fa-IR" smtClean="0"/>
-              <a:t>04/12/1446</a:t>
+              <a:t>03/03/1447</a:t>
             </a:fld>
             <a:endParaRPr lang="fa-IR"/>
           </a:p>
@@ -2617,7 +2630,7 @@
           <a:p>
             <a:fld id="{9E37E7FA-6307-45FC-9FD1-784EAB132C6A}" type="datetimeFigureOut">
               <a:rPr lang="fa-IR" smtClean="0"/>
-              <a:t>04/12/1446</a:t>
+              <a:t>03/03/1447</a:t>
             </a:fld>
             <a:endParaRPr lang="fa-IR"/>
           </a:p>
@@ -2965,7 +2978,7 @@
           <a:p>
             <a:fld id="{9E37E7FA-6307-45FC-9FD1-784EAB132C6A}" type="datetimeFigureOut">
               <a:rPr lang="fa-IR" smtClean="0"/>
-              <a:t>04/12/1446</a:t>
+              <a:t>03/03/1447</a:t>
             </a:fld>
             <a:endParaRPr lang="fa-IR"/>
           </a:p>
@@ -3276,7 +3289,7 @@
           <a:p>
             <a:fld id="{9E37E7FA-6307-45FC-9FD1-784EAB132C6A}" type="datetimeFigureOut">
               <a:rPr lang="fa-IR" smtClean="0"/>
-              <a:t>04/12/1446</a:t>
+              <a:t>03/03/1447</a:t>
             </a:fld>
             <a:endParaRPr lang="fa-IR"/>
           </a:p>
@@ -3823,10 +3836,16 @@
           </a:bodyPr>
           <a:lstStyle/>
           <a:p>
-            <a:r>
-              <a:rPr lang="fa-IR" sz="5400" dirty="0"/>
-              <a:t>سیستم نظارتی و وب سرور</a:t>
-            </a:r>
+            <a:pPr algn="ctr"/>
+            <a:r>
+              <a:rPr lang="fa-IR" sz="5400" b="1" dirty="0"/>
+              <a:t>پروژه خانه هوشمند با </a:t>
+            </a:r>
+            <a:r>
+              <a:rPr lang="en-US" sz="5400" b="1" dirty="0"/>
+              <a:t>ESP32</a:t>
+            </a:r>
+            <a:endParaRPr lang="fa-IR" sz="5400" dirty="0"/>
           </a:p>
         </p:txBody>
       </p:sp>
@@ -3851,12 +3870,14 @@
           <a:bodyPr/>
           <a:lstStyle/>
           <a:p>
+            <a:pPr algn="r"/>
             <a:r>
               <a:rPr lang="fa-IR" dirty="0"/>
-              <a:t>اشکان توسلی 1404/3/11</a:t>
-            </a:r>
-          </a:p>
-          <a:p>
+              <a:t>اشکان توسلی 1404/06/09</a:t>
+            </a:r>
+          </a:p>
+          <a:p>
+            <a:pPr algn="r"/>
             <a:r>
               <a:rPr lang="fa-IR" dirty="0"/>
               <a:t>استاد محمد زاده درس سیستم نهفته</a:t>
@@ -3917,18 +3938,19 @@
           <a:p>
             <a:pPr algn="ctr"/>
             <a:r>
-              <a:rPr lang="fa-IR" dirty="0"/>
+              <a:rPr lang="fa-IR"/>
               <a:t>معرفی پروژه</a:t>
             </a:r>
-          </a:p>
-        </p:txBody>
-      </p:sp>
-      <p:sp>
-        <p:nvSpPr>
-          <p:cNvPr id="5" name="Rectangle 2">
+            <a:endParaRPr lang="fa-IR" dirty="0"/>
+          </a:p>
+        </p:txBody>
+      </p:sp>
+      <p:sp>
+        <p:nvSpPr>
+          <p:cNvPr id="6" name="Rectangle 2">
             <a:extLst>
               <a:ext uri="{FF2B5EF4-FFF2-40B4-BE49-F238E27FC236}">
-                <a16:creationId xmlns:a16="http://schemas.microsoft.com/office/drawing/2014/main" id="{5614819F-FB37-DBE3-FB84-59792B3C7CE8}"/>
+                <a16:creationId xmlns:a16="http://schemas.microsoft.com/office/drawing/2014/main" id="{73EF0E22-896A-ADBC-AAF4-76F91C16FECC}"/>
               </a:ext>
             </a:extLst>
           </p:cNvPr>
@@ -3941,8 +3963,8 @@
         </p:nvSpPr>
         <p:spPr bwMode="auto">
           <a:xfrm>
-            <a:off x="6866077" y="2073071"/>
-            <a:ext cx="4455066" cy="1200329"/>
+            <a:off x="7252047" y="2055335"/>
+            <a:ext cx="3903633" cy="1384995"/>
           </a:xfrm>
           <a:prstGeom prst="rect">
             <a:avLst/>
@@ -3990,7 +4012,7 @@
           </a:bodyPr>
           <a:lstStyle/>
           <a:p>
-            <a:pPr marL="0" marR="0" lvl="0" indent="0" algn="r" defTabSz="914400" rtl="1" eaLnBrk="0" fontAlgn="base" latinLnBrk="0" hangingPunct="0">
+            <a:pPr marL="0" marR="0" lvl="0" indent="0" defTabSz="914400" eaLnBrk="0" fontAlgn="base" latinLnBrk="0" hangingPunct="0">
               <a:lnSpc>
                 <a:spcPct val="100000"/>
               </a:lnSpc>
@@ -4007,7 +4029,7 @@
               <a:tabLst/>
             </a:pPr>
             <a:r>
-              <a:rPr kumimoji="0" lang="ar-SA" altLang="fa-IR" sz="1800" b="0" i="0" u="none" strike="noStrike" cap="none" normalizeH="0" baseline="0" dirty="0">
+              <a:rPr kumimoji="0" lang="ar-SA" altLang="fa-IR" sz="2800" b="0" i="0" u="none" strike="noStrike" cap="none" normalizeH="0" baseline="0">
                 <a:ln>
                   <a:noFill/>
                 </a:ln>
@@ -4018,51 +4040,9 @@
                 <a:latin typeface="Arial" panose="020B0604020202020204" pitchFamily="34" charset="0"/>
                 <a:cs typeface="Arial" panose="020B0604020202020204" pitchFamily="34" charset="0"/>
               </a:rPr>
-              <a:t>پروژه با استفاده از</a:t>
-            </a:r>
-            <a:r>
-              <a:rPr kumimoji="0" lang="fa-IR" altLang="fa-IR" sz="1800" b="0" i="0" u="none" strike="noStrike" cap="none" normalizeH="0" baseline="0" dirty="0">
-                <a:ln>
-                  <a:noFill/>
-                </a:ln>
-                <a:solidFill>
-                  <a:schemeClr val="tx1"/>
-                </a:solidFill>
-                <a:effectLst/>
-                <a:latin typeface="Arial" panose="020B0604020202020204" pitchFamily="34" charset="0"/>
-                <a:cs typeface="Arial" panose="020B0604020202020204" pitchFamily="34" charset="0"/>
-              </a:rPr>
-              <a:t> </a:t>
-            </a:r>
-            <a:r>
-              <a:rPr kumimoji="0" lang="en-US" altLang="fa-IR" sz="1800" b="0" i="0" u="none" strike="noStrike" cap="none" normalizeH="0" baseline="0" dirty="0">
-                <a:ln>
-                  <a:noFill/>
-                </a:ln>
-                <a:solidFill>
-                  <a:schemeClr val="tx1"/>
-                </a:solidFill>
-                <a:effectLst/>
-                <a:latin typeface="Arial" panose="020B0604020202020204" pitchFamily="34" charset="0"/>
-                <a:cs typeface="Arial" panose="020B0604020202020204" pitchFamily="34" charset="0"/>
-              </a:rPr>
-              <a:t>ESP 32</a:t>
-            </a:r>
-            <a:r>
-              <a:rPr kumimoji="0" lang="ar-SA" altLang="fa-IR" sz="1800" b="0" i="0" u="none" strike="noStrike" cap="none" normalizeH="0" baseline="0" dirty="0">
-                <a:ln>
-                  <a:noFill/>
-                </a:ln>
-                <a:solidFill>
-                  <a:schemeClr val="tx1"/>
-                </a:solidFill>
-                <a:effectLst/>
-                <a:latin typeface="Arial" panose="020B0604020202020204" pitchFamily="34" charset="0"/>
-                <a:cs typeface="Arial" panose="020B0604020202020204" pitchFamily="34" charset="0"/>
-              </a:rPr>
-              <a:t>طراحی شده</a:t>
-            </a:r>
-            <a:endParaRPr kumimoji="0" lang="fa-IR" altLang="fa-IR" sz="1800" b="0" i="0" u="none" strike="noStrike" cap="none" normalizeH="0" baseline="0" dirty="0">
+              <a:t>تعریف خانه هوشمند</a:t>
+            </a:r>
+            <a:endParaRPr kumimoji="0" lang="fa-IR" altLang="fa-IR" sz="2800" b="0" i="0" u="none" strike="noStrike" cap="none" normalizeH="0" baseline="0">
               <a:ln>
                 <a:noFill/>
               </a:ln>
@@ -4074,7 +4054,7 @@
             </a:endParaRPr>
           </a:p>
           <a:p>
-            <a:pPr marL="0" marR="0" lvl="0" indent="0" algn="r" defTabSz="914400" rtl="1" eaLnBrk="0" fontAlgn="base" latinLnBrk="0" hangingPunct="0">
+            <a:pPr marL="0" marR="0" lvl="0" indent="0" defTabSz="914400" eaLnBrk="0" fontAlgn="base" latinLnBrk="0" hangingPunct="0">
               <a:lnSpc>
                 <a:spcPct val="100000"/>
               </a:lnSpc>
@@ -4091,7 +4071,7 @@
               <a:tabLst/>
             </a:pPr>
             <a:r>
-              <a:rPr kumimoji="0" lang="ar-SA" altLang="fa-IR" sz="1800" b="0" i="0" u="none" strike="noStrike" cap="none" normalizeH="0" baseline="0" dirty="0">
+              <a:rPr kumimoji="0" lang="ar-SA" altLang="fa-IR" sz="2800" b="0" i="0" u="none" strike="noStrike" cap="none" normalizeH="0" baseline="0">
                 <a:ln>
                   <a:noFill/>
                 </a:ln>
@@ -4102,9 +4082,61 @@
                 <a:latin typeface="Arial" panose="020B0604020202020204" pitchFamily="34" charset="0"/>
                 <a:cs typeface="Arial" panose="020B0604020202020204" pitchFamily="34" charset="0"/>
               </a:rPr>
-              <a:t>قابلیت اندازه‌گیری دما، رطوبت و نور محیط</a:t>
-            </a:r>
-            <a:endParaRPr kumimoji="0" lang="fa-IR" altLang="fa-IR" sz="1800" b="0" i="0" u="none" strike="noStrike" cap="none" normalizeH="0" baseline="0" dirty="0">
+              <a:t>چرا از</a:t>
+            </a:r>
+            <a:r>
+              <a:rPr kumimoji="0" lang="fa-IR" altLang="fa-IR" sz="2800" b="0" i="0" u="none" strike="noStrike" cap="none" normalizeH="0" baseline="0">
+                <a:ln>
+                  <a:noFill/>
+                </a:ln>
+                <a:solidFill>
+                  <a:schemeClr val="tx1"/>
+                </a:solidFill>
+                <a:effectLst/>
+                <a:latin typeface="Arial" panose="020B0604020202020204" pitchFamily="34" charset="0"/>
+                <a:cs typeface="Arial" panose="020B0604020202020204" pitchFamily="34" charset="0"/>
+              </a:rPr>
+              <a:t> </a:t>
+            </a:r>
+            <a:r>
+              <a:rPr lang="en-US" altLang="fa-IR" sz="2800">
+                <a:solidFill>
+                  <a:schemeClr val="tx1"/>
+                </a:solidFill>
+                <a:latin typeface="Arial" panose="020B0604020202020204" pitchFamily="34" charset="0"/>
+                <a:cs typeface="Arial" panose="020B0604020202020204" pitchFamily="34" charset="0"/>
+              </a:rPr>
+              <a:t>esp32</a:t>
+            </a:r>
+            <a:r>
+              <a:rPr kumimoji="0" lang="fa-IR" altLang="fa-IR" sz="2800" b="0" i="0" u="none" strike="noStrike" cap="none" normalizeH="0" baseline="0">
+                <a:ln>
+                  <a:noFill/>
+                </a:ln>
+                <a:solidFill>
+                  <a:schemeClr val="tx1"/>
+                </a:solidFill>
+                <a:effectLst/>
+                <a:latin typeface="Arial" panose="020B0604020202020204" pitchFamily="34" charset="0"/>
+                <a:cs typeface="Arial" panose="020B0604020202020204" pitchFamily="34" charset="0"/>
+              </a:rPr>
+              <a:t> </a:t>
+            </a:r>
+            <a:r>
+              <a:rPr kumimoji="0" lang="ar-SA" altLang="fa-IR" sz="2800" b="0" i="0" u="none" strike="noStrike" cap="none" normalizeH="0" baseline="0">
+                <a:ln>
+                  <a:noFill/>
+                </a:ln>
+                <a:solidFill>
+                  <a:schemeClr val="tx1"/>
+                </a:solidFill>
+                <a:effectLst/>
+                <a:latin typeface="Arial" panose="020B0604020202020204" pitchFamily="34" charset="0"/>
+                <a:cs typeface="Arial" panose="020B0604020202020204" pitchFamily="34" charset="0"/>
+              </a:rPr>
+              <a:t>استفاده کردیم؟</a:t>
+            </a:r>
+            <a:endParaRPr kumimoji="0" lang="fa-IR" altLang="fa-IR" sz="2800" b="0" i="0" u="none" strike="noStrike" cap="none" normalizeH="0" baseline="0">
               <a:ln>
                 <a:noFill/>
               </a:ln>
@@ -4116,7 +4148,7 @@
             </a:endParaRPr>
           </a:p>
           <a:p>
-            <a:pPr marL="0" marR="0" lvl="0" indent="0" algn="r" defTabSz="914400" rtl="1" eaLnBrk="0" fontAlgn="base" latinLnBrk="0" hangingPunct="0">
+            <a:pPr marL="0" marR="0" lvl="0" indent="0" defTabSz="914400" eaLnBrk="0" fontAlgn="base" latinLnBrk="0" hangingPunct="0">
               <a:lnSpc>
                 <a:spcPct val="100000"/>
               </a:lnSpc>
@@ -4133,7 +4165,7 @@
               <a:tabLst/>
             </a:pPr>
             <a:r>
-              <a:rPr kumimoji="0" lang="ar-SA" altLang="fa-IR" sz="1800" b="0" i="0" u="none" strike="noStrike" cap="none" normalizeH="0" baseline="0" dirty="0">
+              <a:rPr kumimoji="0" lang="ar-SA" altLang="fa-IR" sz="2800" b="0" i="0" u="none" strike="noStrike" cap="none" normalizeH="0" baseline="0">
                 <a:ln>
                   <a:noFill/>
                 </a:ln>
@@ -4144,51 +4176,9 @@
                 <a:latin typeface="Arial" panose="020B0604020202020204" pitchFamily="34" charset="0"/>
                 <a:cs typeface="Arial" panose="020B0604020202020204" pitchFamily="34" charset="0"/>
               </a:rPr>
-              <a:t>دارای کنترل از راه دور از طریق</a:t>
-            </a:r>
-            <a:r>
-              <a:rPr kumimoji="0" lang="fa-IR" altLang="fa-IR" sz="1800" b="0" i="0" u="none" strike="noStrike" cap="none" normalizeH="0" baseline="0" dirty="0">
-                <a:ln>
-                  <a:noFill/>
-                </a:ln>
-                <a:solidFill>
-                  <a:schemeClr val="tx1"/>
-                </a:solidFill>
-                <a:effectLst/>
-                <a:latin typeface="Arial" panose="020B0604020202020204" pitchFamily="34" charset="0"/>
-                <a:cs typeface="Arial" panose="020B0604020202020204" pitchFamily="34" charset="0"/>
-              </a:rPr>
-              <a:t> WiFi </a:t>
-            </a:r>
-            <a:r>
-              <a:rPr kumimoji="0" lang="ar-SA" altLang="fa-IR" sz="1800" b="0" i="0" u="none" strike="noStrike" cap="none" normalizeH="0" baseline="0" dirty="0">
-                <a:ln>
-                  <a:noFill/>
-                </a:ln>
-                <a:solidFill>
-                  <a:schemeClr val="tx1"/>
-                </a:solidFill>
-                <a:effectLst/>
-                <a:latin typeface="Arial" panose="020B0604020202020204" pitchFamily="34" charset="0"/>
-                <a:cs typeface="Arial" panose="020B0604020202020204" pitchFamily="34" charset="0"/>
-              </a:rPr>
-              <a:t>و</a:t>
-            </a:r>
-            <a:r>
-              <a:rPr kumimoji="0" lang="fa-IR" altLang="fa-IR" sz="1800" b="0" i="0" u="none" strike="noStrike" cap="none" normalizeH="0" baseline="0" dirty="0">
-                <a:ln>
-                  <a:noFill/>
-                </a:ln>
-                <a:solidFill>
-                  <a:schemeClr val="tx1"/>
-                </a:solidFill>
-                <a:effectLst/>
-                <a:latin typeface="Arial" panose="020B0604020202020204" pitchFamily="34" charset="0"/>
-                <a:cs typeface="Arial" panose="020B0604020202020204" pitchFamily="34" charset="0"/>
-              </a:rPr>
-              <a:t> Web API</a:t>
-            </a:r>
-            <a:endParaRPr kumimoji="0" lang="fa-IR" altLang="fa-IR" sz="1800" b="0" i="0" u="none" strike="noStrike" cap="none" normalizeH="0" baseline="0" dirty="0">
+              <a:t>امکانات کلی پروژه</a:t>
+            </a:r>
+            <a:endParaRPr kumimoji="0" lang="ar-SA" altLang="fa-IR" sz="2800" b="0" i="0" u="none" strike="noStrike" cap="none" normalizeH="0" baseline="0" dirty="0">
               <a:ln>
                 <a:noFill/>
               </a:ln>
@@ -4197,62 +4187,7 @@
               </a:solidFill>
               <a:effectLst/>
               <a:latin typeface="Arial" panose="020B0604020202020204" pitchFamily="34" charset="0"/>
-            </a:endParaRPr>
-          </a:p>
-          <a:p>
-            <a:pPr marL="0" marR="0" lvl="0" indent="0" algn="r" defTabSz="914400" rtl="1" eaLnBrk="0" fontAlgn="base" latinLnBrk="0" hangingPunct="0">
-              <a:lnSpc>
-                <a:spcPct val="100000"/>
-              </a:lnSpc>
-              <a:spcBef>
-                <a:spcPct val="0"/>
-              </a:spcBef>
-              <a:spcAft>
-                <a:spcPct val="0"/>
-              </a:spcAft>
-              <a:buClrTx/>
-              <a:buSzTx/>
-              <a:buFontTx/>
-              <a:buChar char="•"/>
-              <a:tabLst/>
-            </a:pPr>
-            <a:r>
-              <a:rPr kumimoji="0" lang="ar-SA" altLang="fa-IR" sz="1800" b="0" i="0" u="none" strike="noStrike" cap="none" normalizeH="0" baseline="0" dirty="0">
-                <a:ln>
-                  <a:noFill/>
-                </a:ln>
-                <a:solidFill>
-                  <a:schemeClr val="tx1"/>
-                </a:solidFill>
-                <a:effectLst/>
-                <a:latin typeface="Arial" panose="020B0604020202020204" pitchFamily="34" charset="0"/>
-                <a:cs typeface="Arial" panose="020B0604020202020204" pitchFamily="34" charset="0"/>
-              </a:rPr>
-              <a:t>نمایش وضعیت با نوار</a:t>
-            </a:r>
-            <a:r>
-              <a:rPr kumimoji="0" lang="fa-IR" altLang="fa-IR" sz="1800" b="0" i="0" u="none" strike="noStrike" cap="none" normalizeH="0" baseline="0" dirty="0">
-                <a:ln>
-                  <a:noFill/>
-                </a:ln>
-                <a:solidFill>
-                  <a:schemeClr val="tx1"/>
-                </a:solidFill>
-                <a:effectLst/>
-                <a:latin typeface="Arial" panose="020B0604020202020204" pitchFamily="34" charset="0"/>
-                <a:cs typeface="Arial" panose="020B0604020202020204" pitchFamily="34" charset="0"/>
-              </a:rPr>
-              <a:t> LED RGB</a:t>
-            </a:r>
-            <a:endParaRPr kumimoji="0" lang="fa-IR" altLang="fa-IR" sz="1800" b="0" i="0" u="none" strike="noStrike" cap="none" normalizeH="0" baseline="0" dirty="0">
-              <a:ln>
-                <a:noFill/>
-              </a:ln>
-              <a:solidFill>
-                <a:schemeClr val="tx1"/>
-              </a:solidFill>
-              <a:effectLst/>
-              <a:latin typeface="Arial" panose="020B0604020202020204" pitchFamily="34" charset="0"/>
+              <a:cs typeface="Arial" panose="020B0604020202020204" pitchFamily="34" charset="0"/>
             </a:endParaRPr>
           </a:p>
         </p:txBody>
@@ -4287,373 +4222,82 @@
           <a:chExt cx="0" cy="0"/>
         </a:xfrm>
       </p:grpSpPr>
-      <p:sp>
-        <p:nvSpPr>
-          <p:cNvPr id="2" name="Title 1">
+      <p:pic>
+        <p:nvPicPr>
+          <p:cNvPr id="3" name="Picture 2" descr="A diagram of a smart home system">
             <a:extLst>
               <a:ext uri="{FF2B5EF4-FFF2-40B4-BE49-F238E27FC236}">
-                <a16:creationId xmlns:a16="http://schemas.microsoft.com/office/drawing/2014/main" id="{AF33D885-F5E7-92F6-E1A8-D412EBA2C41A}"/>
+                <a16:creationId xmlns:a16="http://schemas.microsoft.com/office/drawing/2014/main" id="{1B083FB7-D3E6-1AFC-D01C-EB1EA813D7F4}"/>
               </a:ext>
             </a:extLst>
           </p:cNvPr>
-          <p:cNvSpPr>
-            <a:spLocks noGrp="1"/>
-          </p:cNvSpPr>
-          <p:nvPr>
-            <p:ph type="title"/>
-          </p:nvPr>
-        </p:nvSpPr>
-        <p:spPr/>
-        <p:txBody>
-          <a:bodyPr/>
-          <a:lstStyle/>
-          <a:p>
-            <a:pPr algn="ctr"/>
-            <a:r>
-              <a:rPr lang="fa-IR" dirty="0"/>
-              <a:t>اهداف پروژه</a:t>
-            </a:r>
-          </a:p>
-        </p:txBody>
-      </p:sp>
-      <p:sp>
-        <p:nvSpPr>
-          <p:cNvPr id="4" name="Rectangle 1">
+          <p:cNvPicPr>
+            <a:picLocks noChangeAspect="1"/>
+          </p:cNvPicPr>
+          <p:nvPr/>
+        </p:nvPicPr>
+        <p:blipFill>
+          <a:blip r:embed="rId2">
             <a:extLst>
-              <a:ext uri="{FF2B5EF4-FFF2-40B4-BE49-F238E27FC236}">
-                <a16:creationId xmlns:a16="http://schemas.microsoft.com/office/drawing/2014/main" id="{4C4B22F4-D91C-233B-9986-B79F2087ECD2}"/>
+              <a:ext uri="{28A0092B-C50C-407E-A947-70E740481C1C}">
+                <a14:useLocalDpi xmlns:a14="http://schemas.microsoft.com/office/drawing/2010/main" val="0"/>
               </a:ext>
             </a:extLst>
-          </p:cNvPr>
-          <p:cNvSpPr>
-            <a:spLocks noGrp="1" noChangeArrowheads="1"/>
-          </p:cNvSpPr>
-          <p:nvPr>
-            <p:ph idx="1"/>
-          </p:nvPr>
-        </p:nvSpPr>
-        <p:spPr bwMode="auto">
+          </a:blip>
+          <a:stretch>
+            <a:fillRect/>
+          </a:stretch>
+        </p:blipFill>
+        <p:spPr>
           <a:xfrm>
-            <a:off x="7432198" y="2051301"/>
-            <a:ext cx="3932487" cy="1200329"/>
+            <a:off x="109906" y="2321169"/>
+            <a:ext cx="5986094" cy="3915507"/>
           </a:xfrm>
           <a:prstGeom prst="rect">
             <a:avLst/>
           </a:prstGeom>
-          <a:noFill/>
-          <a:ln>
-            <a:noFill/>
-          </a:ln>
-          <a:effectLst/>
-          <a:extLst>
-            <a:ext uri="{909E8E84-426E-40DD-AFC4-6F175D3DCCD1}">
-              <a14:hiddenFill xmlns:a14="http://schemas.microsoft.com/office/drawing/2010/main">
-                <a:solidFill>
-                  <a:schemeClr val="accent1"/>
-                </a:solidFill>
-              </a14:hiddenFill>
-            </a:ext>
-            <a:ext uri="{91240B29-F687-4F45-9708-019B960494DF}">
-              <a14:hiddenLine xmlns:a14="http://schemas.microsoft.com/office/drawing/2010/main" w="9525">
-                <a:solidFill>
-                  <a:schemeClr val="tx1"/>
-                </a:solidFill>
-                <a:miter lim="800000"/>
-                <a:headEnd/>
-                <a:tailEnd/>
-              </a14:hiddenLine>
-            </a:ext>
-            <a:ext uri="{AF507438-7753-43E0-B8FC-AC1667EBCBE1}">
-              <a14:hiddenEffects xmlns:a14="http://schemas.microsoft.com/office/drawing/2010/main">
-                <a:effectLst>
-                  <a:outerShdw dist="35921" dir="2700000" algn="ctr" rotWithShape="0">
-                    <a:schemeClr val="bg2"/>
-                  </a:outerShdw>
-                </a:effectLst>
-              </a14:hiddenEffects>
-            </a:ext>
-          </a:extLst>
         </p:spPr>
-        <p:txBody>
-          <a:bodyPr vert="horz" wrap="none" lIns="91440" tIns="45720" rIns="91440" bIns="45720" numCol="1" anchor="ctr" anchorCtr="0" compatLnSpc="1">
-            <a:prstTxWarp prst="textNoShape">
-              <a:avLst/>
-            </a:prstTxWarp>
-            <a:spAutoFit/>
-          </a:bodyPr>
-          <a:lstStyle/>
-          <a:p>
-            <a:pPr marL="0" marR="0" lvl="0" indent="0" algn="r" defTabSz="914400" rtl="1" eaLnBrk="0" fontAlgn="base" latinLnBrk="0" hangingPunct="0">
-              <a:lnSpc>
-                <a:spcPct val="100000"/>
-              </a:lnSpc>
-              <a:spcBef>
-                <a:spcPct val="0"/>
-              </a:spcBef>
-              <a:spcAft>
-                <a:spcPct val="0"/>
-              </a:spcAft>
-              <a:buClrTx/>
-              <a:buSzTx/>
-              <a:buFontTx/>
-              <a:buChar char="•"/>
-              <a:tabLst/>
-            </a:pPr>
-            <a:r>
-              <a:rPr kumimoji="0" lang="ar-SA" altLang="fa-IR" sz="1800" b="0" i="0" u="none" strike="noStrike" cap="none" normalizeH="0" baseline="0" dirty="0">
-                <a:ln>
-                  <a:noFill/>
-                </a:ln>
-                <a:solidFill>
-                  <a:schemeClr val="tx1"/>
-                </a:solidFill>
-                <a:effectLst/>
-                <a:latin typeface="Arial" panose="020B0604020202020204" pitchFamily="34" charset="0"/>
-                <a:cs typeface="Arial" panose="020B0604020202020204" pitchFamily="34" charset="0"/>
-              </a:rPr>
-              <a:t>مانیتور کردن محیط (دما، نور، رطوبت)</a:t>
-            </a:r>
-            <a:endParaRPr kumimoji="0" lang="fa-IR" altLang="fa-IR" sz="1800" b="0" i="0" u="none" strike="noStrike" cap="none" normalizeH="0" baseline="0" dirty="0">
-              <a:ln>
-                <a:noFill/>
-              </a:ln>
-              <a:solidFill>
-                <a:schemeClr val="tx1"/>
-              </a:solidFill>
-              <a:effectLst/>
-              <a:latin typeface="Arial" panose="020B0604020202020204" pitchFamily="34" charset="0"/>
-            </a:endParaRPr>
-          </a:p>
-          <a:p>
-            <a:pPr marL="0" marR="0" lvl="0" indent="0" algn="r" defTabSz="914400" rtl="1" eaLnBrk="0" fontAlgn="base" latinLnBrk="0" hangingPunct="0">
-              <a:lnSpc>
-                <a:spcPct val="100000"/>
-              </a:lnSpc>
-              <a:spcBef>
-                <a:spcPct val="0"/>
-              </a:spcBef>
-              <a:spcAft>
-                <a:spcPct val="0"/>
-              </a:spcAft>
-              <a:buClrTx/>
-              <a:buSzTx/>
-              <a:buFontTx/>
-              <a:buChar char="•"/>
-              <a:tabLst/>
-            </a:pPr>
-            <a:r>
-              <a:rPr kumimoji="0" lang="ar-SA" altLang="fa-IR" sz="1800" b="0" i="0" u="none" strike="noStrike" cap="none" normalizeH="0" baseline="0" dirty="0">
-                <a:ln>
-                  <a:noFill/>
-                </a:ln>
-                <a:solidFill>
-                  <a:schemeClr val="tx1"/>
-                </a:solidFill>
-                <a:effectLst/>
-                <a:latin typeface="Arial" panose="020B0604020202020204" pitchFamily="34" charset="0"/>
-                <a:cs typeface="Arial" panose="020B0604020202020204" pitchFamily="34" charset="0"/>
-              </a:rPr>
-              <a:t>پاسخ‌دهی خودکار از طریق</a:t>
-            </a:r>
-            <a:r>
-              <a:rPr kumimoji="0" lang="fa-IR" altLang="fa-IR" sz="1800" b="0" i="0" u="none" strike="noStrike" cap="none" normalizeH="0" baseline="0" dirty="0">
-                <a:ln>
-                  <a:noFill/>
-                </a:ln>
-                <a:solidFill>
-                  <a:schemeClr val="tx1"/>
-                </a:solidFill>
-                <a:effectLst/>
-                <a:latin typeface="Arial" panose="020B0604020202020204" pitchFamily="34" charset="0"/>
-                <a:cs typeface="Arial" panose="020B0604020202020204" pitchFamily="34" charset="0"/>
-              </a:rPr>
-              <a:t> buzzer </a:t>
-            </a:r>
-            <a:r>
-              <a:rPr kumimoji="0" lang="ar-SA" altLang="fa-IR" sz="1800" b="0" i="0" u="none" strike="noStrike" cap="none" normalizeH="0" baseline="0" dirty="0">
-                <a:ln>
-                  <a:noFill/>
-                </a:ln>
-                <a:solidFill>
-                  <a:schemeClr val="tx1"/>
-                </a:solidFill>
-                <a:effectLst/>
-                <a:latin typeface="Arial" panose="020B0604020202020204" pitchFamily="34" charset="0"/>
-                <a:cs typeface="Arial" panose="020B0604020202020204" pitchFamily="34" charset="0"/>
-              </a:rPr>
-              <a:t>و</a:t>
-            </a:r>
-            <a:r>
-              <a:rPr kumimoji="0" lang="fa-IR" altLang="fa-IR" sz="1800" b="0" i="0" u="none" strike="noStrike" cap="none" normalizeH="0" baseline="0" dirty="0">
-                <a:ln>
-                  <a:noFill/>
-                </a:ln>
-                <a:solidFill>
-                  <a:schemeClr val="tx1"/>
-                </a:solidFill>
-                <a:effectLst/>
-                <a:latin typeface="Arial" panose="020B0604020202020204" pitchFamily="34" charset="0"/>
-                <a:cs typeface="Arial" panose="020B0604020202020204" pitchFamily="34" charset="0"/>
-              </a:rPr>
-              <a:t> heater</a:t>
-            </a:r>
-            <a:endParaRPr kumimoji="0" lang="fa-IR" altLang="fa-IR" sz="1800" b="0" i="0" u="none" strike="noStrike" cap="none" normalizeH="0" baseline="0" dirty="0">
-              <a:ln>
-                <a:noFill/>
-              </a:ln>
-              <a:solidFill>
-                <a:schemeClr val="tx1"/>
-              </a:solidFill>
-              <a:effectLst/>
-              <a:latin typeface="Arial" panose="020B0604020202020204" pitchFamily="34" charset="0"/>
-            </a:endParaRPr>
-          </a:p>
-          <a:p>
-            <a:pPr marL="0" marR="0" lvl="0" indent="0" algn="r" defTabSz="914400" rtl="1" eaLnBrk="0" fontAlgn="base" latinLnBrk="0" hangingPunct="0">
-              <a:lnSpc>
-                <a:spcPct val="100000"/>
-              </a:lnSpc>
-              <a:spcBef>
-                <a:spcPct val="0"/>
-              </a:spcBef>
-              <a:spcAft>
-                <a:spcPct val="0"/>
-              </a:spcAft>
-              <a:buClrTx/>
-              <a:buSzTx/>
-              <a:buFontTx/>
-              <a:buChar char="•"/>
-              <a:tabLst/>
-            </a:pPr>
-            <a:r>
-              <a:rPr kumimoji="0" lang="ar-SA" altLang="fa-IR" sz="1800" b="0" i="0" u="none" strike="noStrike" cap="none" normalizeH="0" baseline="0" dirty="0">
-                <a:ln>
-                  <a:noFill/>
-                </a:ln>
-                <a:solidFill>
-                  <a:schemeClr val="tx1"/>
-                </a:solidFill>
-                <a:effectLst/>
-                <a:latin typeface="Arial" panose="020B0604020202020204" pitchFamily="34" charset="0"/>
-                <a:cs typeface="Arial" panose="020B0604020202020204" pitchFamily="34" charset="0"/>
-              </a:rPr>
-              <a:t>قابلیت کنترل دستی از طریق</a:t>
-            </a:r>
-            <a:r>
-              <a:rPr kumimoji="0" lang="fa-IR" altLang="fa-IR" sz="1800" b="0" i="0" u="none" strike="noStrike" cap="none" normalizeH="0" baseline="0" dirty="0">
-                <a:ln>
-                  <a:noFill/>
-                </a:ln>
-                <a:solidFill>
-                  <a:schemeClr val="tx1"/>
-                </a:solidFill>
-                <a:effectLst/>
-                <a:latin typeface="Arial" panose="020B0604020202020204" pitchFamily="34" charset="0"/>
-                <a:cs typeface="Arial" panose="020B0604020202020204" pitchFamily="34" charset="0"/>
-              </a:rPr>
-              <a:t> keypad</a:t>
-            </a:r>
-            <a:endParaRPr kumimoji="0" lang="fa-IR" altLang="fa-IR" sz="1800" b="0" i="0" u="none" strike="noStrike" cap="none" normalizeH="0" baseline="0" dirty="0">
-              <a:ln>
-                <a:noFill/>
-              </a:ln>
-              <a:solidFill>
-                <a:schemeClr val="tx1"/>
-              </a:solidFill>
-              <a:effectLst/>
-              <a:latin typeface="Arial" panose="020B0604020202020204" pitchFamily="34" charset="0"/>
-            </a:endParaRPr>
-          </a:p>
-          <a:p>
-            <a:pPr marL="0" marR="0" lvl="0" indent="0" algn="r" defTabSz="914400" rtl="1" eaLnBrk="0" fontAlgn="base" latinLnBrk="0" hangingPunct="0">
-              <a:lnSpc>
-                <a:spcPct val="100000"/>
-              </a:lnSpc>
-              <a:spcBef>
-                <a:spcPct val="0"/>
-              </a:spcBef>
-              <a:spcAft>
-                <a:spcPct val="0"/>
-              </a:spcAft>
-              <a:buClrTx/>
-              <a:buSzTx/>
-              <a:buFontTx/>
-              <a:buChar char="•"/>
-              <a:tabLst/>
-            </a:pPr>
-            <a:r>
-              <a:rPr kumimoji="0" lang="ar-SA" altLang="fa-IR" sz="1800" b="0" i="0" u="none" strike="noStrike" cap="none" normalizeH="0" baseline="0" dirty="0">
-                <a:ln>
-                  <a:noFill/>
-                </a:ln>
-                <a:solidFill>
-                  <a:schemeClr val="tx1"/>
-                </a:solidFill>
-                <a:effectLst/>
-                <a:latin typeface="Arial" panose="020B0604020202020204" pitchFamily="34" charset="0"/>
-                <a:cs typeface="Arial" panose="020B0604020202020204" pitchFamily="34" charset="0"/>
-              </a:rPr>
-              <a:t>ارسال داده‌ها به صورت</a:t>
-            </a:r>
-            <a:r>
-              <a:rPr kumimoji="0" lang="fa-IR" altLang="fa-IR" sz="1800" b="0" i="0" u="none" strike="noStrike" cap="none" normalizeH="0" baseline="0" dirty="0">
-                <a:ln>
-                  <a:noFill/>
-                </a:ln>
-                <a:solidFill>
-                  <a:schemeClr val="tx1"/>
-                </a:solidFill>
-                <a:effectLst/>
-                <a:latin typeface="Arial" panose="020B0604020202020204" pitchFamily="34" charset="0"/>
-                <a:cs typeface="Arial" panose="020B0604020202020204" pitchFamily="34" charset="0"/>
-              </a:rPr>
-              <a:t> JSON </a:t>
-            </a:r>
-            <a:r>
-              <a:rPr kumimoji="0" lang="ar-SA" altLang="fa-IR" sz="1800" b="0" i="0" u="none" strike="noStrike" cap="none" normalizeH="0" baseline="0" dirty="0">
-                <a:ln>
-                  <a:noFill/>
-                </a:ln>
-                <a:solidFill>
-                  <a:schemeClr val="tx1"/>
-                </a:solidFill>
-                <a:effectLst/>
-                <a:latin typeface="Arial" panose="020B0604020202020204" pitchFamily="34" charset="0"/>
-                <a:cs typeface="Arial" panose="020B0604020202020204" pitchFamily="34" charset="0"/>
-              </a:rPr>
-              <a:t>از طریق</a:t>
-            </a:r>
-            <a:r>
-              <a:rPr kumimoji="0" lang="fa-IR" altLang="fa-IR" sz="1800" b="0" i="0" u="none" strike="noStrike" cap="none" normalizeH="0" baseline="0" dirty="0">
-                <a:ln>
-                  <a:noFill/>
-                </a:ln>
-                <a:solidFill>
-                  <a:schemeClr val="tx1"/>
-                </a:solidFill>
-                <a:effectLst/>
-                <a:latin typeface="Arial" panose="020B0604020202020204" pitchFamily="34" charset="0"/>
-                <a:cs typeface="Arial" panose="020B0604020202020204" pitchFamily="34" charset="0"/>
-              </a:rPr>
-              <a:t> WiF</a:t>
-            </a:r>
-            <a:endParaRPr kumimoji="0" lang="fa-IR" altLang="fa-IR" sz="1800" b="0" i="0" u="none" strike="noStrike" cap="none" normalizeH="0" baseline="0" dirty="0">
-              <a:ln>
-                <a:noFill/>
-              </a:ln>
-              <a:solidFill>
-                <a:schemeClr val="tx1"/>
-              </a:solidFill>
-              <a:effectLst/>
-              <a:latin typeface="Arial" panose="020B0604020202020204" pitchFamily="34" charset="0"/>
-            </a:endParaRPr>
-          </a:p>
-        </p:txBody>
-      </p:sp>
+      </p:pic>
+      <p:pic>
+        <p:nvPicPr>
+          <p:cNvPr id="5" name="Picture 4" descr="A diagram of a circuit&#10;&#10;AI-generated content may be incorrect.">
+            <a:extLst>
+              <a:ext uri="{FF2B5EF4-FFF2-40B4-BE49-F238E27FC236}">
+                <a16:creationId xmlns:a16="http://schemas.microsoft.com/office/drawing/2014/main" id="{211000AC-AD2C-11E0-E2CD-202D552A504E}"/>
+              </a:ext>
+            </a:extLst>
+          </p:cNvPr>
+          <p:cNvPicPr>
+            <a:picLocks noChangeAspect="1"/>
+          </p:cNvPicPr>
+          <p:nvPr/>
+        </p:nvPicPr>
+        <p:blipFill>
+          <a:blip r:embed="rId3">
+            <a:extLst>
+              <a:ext uri="{28A0092B-C50C-407E-A947-70E740481C1C}">
+                <a14:useLocalDpi xmlns:a14="http://schemas.microsoft.com/office/drawing/2010/main" val="0"/>
+              </a:ext>
+            </a:extLst>
+          </a:blip>
+          <a:stretch>
+            <a:fillRect/>
+          </a:stretch>
+        </p:blipFill>
+        <p:spPr>
+          <a:xfrm>
+            <a:off x="6096000" y="0"/>
+            <a:ext cx="6164437" cy="3563815"/>
+          </a:xfrm>
+          <a:prstGeom prst="rect">
+            <a:avLst/>
+          </a:prstGeom>
+        </p:spPr>
+      </p:pic>
     </p:spTree>
     <p:extLst>
       <p:ext uri="{BB962C8B-B14F-4D97-AF65-F5344CB8AC3E}">
-        <p14:creationId xmlns:p14="http://schemas.microsoft.com/office/powerpoint/2010/main" val="1736597485"/>
+        <p14:creationId xmlns:p14="http://schemas.microsoft.com/office/powerpoint/2010/main" val="2381484338"/>
       </p:ext>
     </p:extLst>
   </p:cSld>
@@ -4704,17 +4348,17 @@
             <a:pPr algn="ctr"/>
             <a:r>
               <a:rPr lang="fa-IR" dirty="0"/>
-              <a:t>نحوه کارکرد کلی</a:t>
-            </a:r>
-          </a:p>
-        </p:txBody>
-      </p:sp>
-      <p:sp>
-        <p:nvSpPr>
-          <p:cNvPr id="4" name="Rectangle 1">
+              <a:t>سخت‌افزارهای استفاده ‌شده</a:t>
+            </a:r>
+          </a:p>
+        </p:txBody>
+      </p:sp>
+      <p:sp>
+        <p:nvSpPr>
+          <p:cNvPr id="6" name="Rectangle 2">
             <a:extLst>
               <a:ext uri="{FF2B5EF4-FFF2-40B4-BE49-F238E27FC236}">
-                <a16:creationId xmlns:a16="http://schemas.microsoft.com/office/drawing/2014/main" id="{3FB16C82-6185-999F-99B6-4F86EAEDCD7F}"/>
+                <a16:creationId xmlns:a16="http://schemas.microsoft.com/office/drawing/2014/main" id="{DD70AD29-97D1-D6B1-24C5-FB55A20F93AA}"/>
               </a:ext>
             </a:extLst>
           </p:cNvPr>
@@ -4727,8 +4371,8 @@
         </p:nvSpPr>
         <p:spPr bwMode="auto">
           <a:xfrm>
-            <a:off x="8145871" y="1985986"/>
-            <a:ext cx="3207929" cy="1200329"/>
+            <a:off x="3247293" y="2841751"/>
+            <a:ext cx="7908388" cy="2031325"/>
           </a:xfrm>
           <a:prstGeom prst="rect">
             <a:avLst/>
@@ -4768,7 +4412,7 @@
           </a:extLst>
         </p:spPr>
         <p:txBody>
-          <a:bodyPr vert="horz" wrap="none" lIns="91440" tIns="45720" rIns="91440" bIns="45720" numCol="1" anchor="ctr" anchorCtr="0" compatLnSpc="1">
+          <a:bodyPr vert="horz" wrap="square" lIns="91440" tIns="45720" rIns="91440" bIns="45720" numCol="1" anchor="ctr" anchorCtr="0" compatLnSpc="1">
             <a:prstTxWarp prst="textNoShape">
               <a:avLst/>
             </a:prstTxWarp>
@@ -4776,7 +4420,7 @@
           </a:bodyPr>
           <a:lstStyle/>
           <a:p>
-            <a:pPr marL="0" marR="0" lvl="0" indent="0" algn="r" defTabSz="914400" rtl="1" eaLnBrk="0" fontAlgn="base" latinLnBrk="0" hangingPunct="0">
+            <a:pPr marL="0" marR="0" lvl="0" indent="0" algn="r" defTabSz="914400" eaLnBrk="0" fontAlgn="base" latinLnBrk="0" hangingPunct="0">
               <a:lnSpc>
                 <a:spcPct val="100000"/>
               </a:lnSpc>
@@ -4804,7 +4448,21 @@
                 <a:latin typeface="Arial" panose="020B0604020202020204" pitchFamily="34" charset="0"/>
                 <a:cs typeface="Arial" panose="020B0604020202020204" pitchFamily="34" charset="0"/>
               </a:rPr>
-              <a:t>خواندن داده‌ها از سنسورها</a:t>
+              <a:t>لیست قطعات</a:t>
+            </a:r>
+            <a:r>
+              <a:rPr kumimoji="0" lang="fa-IR" altLang="fa-IR" sz="1800" b="0" i="0" u="none" strike="noStrike" cap="none" normalizeH="0" baseline="0" dirty="0">
+                <a:ln>
+                  <a:noFill/>
+                </a:ln>
+                <a:solidFill>
+                  <a:schemeClr val="tx1"/>
+                </a:solidFill>
+                <a:effectLst/>
+                <a:latin typeface="Arial" panose="020B0604020202020204" pitchFamily="34" charset="0"/>
+                <a:cs typeface="Arial" panose="020B0604020202020204" pitchFamily="34" charset="0"/>
+              </a:rPr>
+              <a:t>:</a:t>
             </a:r>
             <a:endParaRPr kumimoji="0" lang="fa-IR" altLang="fa-IR" sz="1800" b="0" i="0" u="none" strike="noStrike" cap="none" normalizeH="0" baseline="0" dirty="0">
               <a:ln>
@@ -4818,7 +4476,7 @@
             </a:endParaRPr>
           </a:p>
           <a:p>
-            <a:pPr marL="0" marR="0" lvl="0" indent="0" algn="r" defTabSz="914400" rtl="1" eaLnBrk="0" fontAlgn="base" latinLnBrk="0" hangingPunct="0">
+            <a:pPr marL="0" marR="0" lvl="0" indent="0" algn="r" defTabSz="914400" eaLnBrk="0" fontAlgn="base" latinLnBrk="0" hangingPunct="0">
               <a:lnSpc>
                 <a:spcPct val="100000"/>
               </a:lnSpc>
@@ -4835,7 +4493,7 @@
               <a:tabLst/>
             </a:pPr>
             <a:r>
-              <a:rPr kumimoji="0" lang="ar-SA" altLang="fa-IR" sz="1800" b="0" i="0" u="none" strike="noStrike" cap="none" normalizeH="0" baseline="0" dirty="0">
+              <a:rPr kumimoji="0" lang="en-US" altLang="fa-IR" sz="1800" b="0" i="0" u="none" strike="noStrike" cap="none" normalizeH="0" baseline="0" dirty="0">
                 <a:ln>
                   <a:noFill/>
                 </a:ln>
@@ -4844,23 +4502,8 @@
                 </a:solidFill>
                 <a:effectLst/>
                 <a:latin typeface="Arial" panose="020B0604020202020204" pitchFamily="34" charset="0"/>
-                <a:cs typeface="Arial" panose="020B0604020202020204" pitchFamily="34" charset="0"/>
               </a:rPr>
-              <a:t>نمایش وضعیت روی</a:t>
-            </a:r>
-            <a:r>
-              <a:rPr kumimoji="0" lang="fa-IR" altLang="fa-IR" sz="1800" b="0" i="0" u="none" strike="noStrike" cap="none" normalizeH="0" baseline="0" dirty="0">
-                <a:ln>
-                  <a:noFill/>
-                </a:ln>
-                <a:solidFill>
-                  <a:schemeClr val="tx1"/>
-                </a:solidFill>
-                <a:effectLst/>
-                <a:latin typeface="Arial" panose="020B0604020202020204" pitchFamily="34" charset="0"/>
-                <a:cs typeface="Arial" panose="020B0604020202020204" pitchFamily="34" charset="0"/>
-              </a:rPr>
-              <a:t> LED</a:t>
+              <a:t>esp32</a:t>
             </a:r>
             <a:endParaRPr kumimoji="0" lang="fa-IR" altLang="fa-IR" sz="1800" b="0" i="0" u="none" strike="noStrike" cap="none" normalizeH="0" baseline="0" dirty="0">
               <a:ln>
@@ -4874,7 +4517,7 @@
             </a:endParaRPr>
           </a:p>
           <a:p>
-            <a:pPr marL="0" marR="0" lvl="0" indent="0" algn="r" defTabSz="914400" rtl="1" eaLnBrk="0" fontAlgn="base" latinLnBrk="0" hangingPunct="0">
+            <a:pPr marL="0" marR="0" lvl="0" indent="0" algn="r" defTabSz="914400" eaLnBrk="0" fontAlgn="base" latinLnBrk="0" hangingPunct="0">
               <a:lnSpc>
                 <a:spcPct val="100000"/>
               </a:lnSpc>
@@ -4902,7 +4545,49 @@
                 <a:latin typeface="Arial" panose="020B0604020202020204" pitchFamily="34" charset="0"/>
                 <a:cs typeface="Arial" panose="020B0604020202020204" pitchFamily="34" charset="0"/>
               </a:rPr>
-              <a:t>فعال‌سازی هشدارها بر اساس شرایط</a:t>
+              <a:t>سنسور</a:t>
+            </a:r>
+            <a:r>
+              <a:rPr kumimoji="0" lang="fa-IR" altLang="fa-IR" sz="1800" b="0" i="0" u="none" strike="noStrike" cap="none" normalizeH="0" baseline="0" dirty="0">
+                <a:ln>
+                  <a:noFill/>
+                </a:ln>
+                <a:solidFill>
+                  <a:schemeClr val="tx1"/>
+                </a:solidFill>
+                <a:effectLst/>
+                <a:latin typeface="Arial" panose="020B0604020202020204" pitchFamily="34" charset="0"/>
+                <a:cs typeface="Arial" panose="020B0604020202020204" pitchFamily="34" charset="0"/>
+              </a:rPr>
+              <a:t> DHT11 (</a:t>
+            </a:r>
+            <a:r>
+              <a:rPr kumimoji="0" lang="ar-SA" altLang="fa-IR" sz="1800" b="0" i="0" u="none" strike="noStrike" cap="none" normalizeH="0" baseline="0" dirty="0">
+                <a:ln>
+                  <a:noFill/>
+                </a:ln>
+                <a:solidFill>
+                  <a:schemeClr val="tx1"/>
+                </a:solidFill>
+                <a:effectLst/>
+                <a:latin typeface="Arial" panose="020B0604020202020204" pitchFamily="34" charset="0"/>
+                <a:cs typeface="Arial" panose="020B0604020202020204" pitchFamily="34" charset="0"/>
+              </a:rPr>
+              <a:t>دما و رطوبت</a:t>
+            </a:r>
+            <a:r>
+              <a:rPr kumimoji="0" lang="fa-IR" altLang="fa-IR" sz="1800" b="0" i="0" u="none" strike="noStrike" cap="none" normalizeH="0" baseline="0" dirty="0">
+                <a:ln>
+                  <a:noFill/>
+                </a:ln>
+                <a:solidFill>
+                  <a:schemeClr val="tx1"/>
+                </a:solidFill>
+                <a:effectLst/>
+                <a:latin typeface="Arial" panose="020B0604020202020204" pitchFamily="34" charset="0"/>
+                <a:cs typeface="Arial" panose="020B0604020202020204" pitchFamily="34" charset="0"/>
+              </a:rPr>
+              <a:t>)</a:t>
             </a:r>
             <a:endParaRPr kumimoji="0" lang="fa-IR" altLang="fa-IR" sz="1800" b="0" i="0" u="none" strike="noStrike" cap="none" normalizeH="0" baseline="0" dirty="0">
               <a:ln>
@@ -4916,7 +4601,7 @@
             </a:endParaRPr>
           </a:p>
           <a:p>
-            <a:pPr marL="0" marR="0" lvl="0" indent="0" algn="r" defTabSz="914400" rtl="1" eaLnBrk="0" fontAlgn="base" latinLnBrk="0" hangingPunct="0">
+            <a:pPr marL="0" marR="0" lvl="0" indent="0" algn="r" defTabSz="914400" eaLnBrk="0" fontAlgn="base" latinLnBrk="0" hangingPunct="0">
               <a:lnSpc>
                 <a:spcPct val="100000"/>
               </a:lnSpc>
@@ -4933,6 +4618,19 @@
               <a:tabLst/>
             </a:pPr>
             <a:r>
+              <a:rPr kumimoji="0" lang="fa-IR" altLang="fa-IR" sz="1800" b="0" i="0" u="none" strike="noStrike" cap="none" normalizeH="0" baseline="0" dirty="0">
+                <a:ln>
+                  <a:noFill/>
+                </a:ln>
+                <a:solidFill>
+                  <a:schemeClr val="tx1"/>
+                </a:solidFill>
+                <a:effectLst/>
+                <a:latin typeface="Arial" panose="020B0604020202020204" pitchFamily="34" charset="0"/>
+              </a:rPr>
+              <a:t>LDR (</a:t>
+            </a:r>
+            <a:r>
               <a:rPr kumimoji="0" lang="ar-SA" altLang="fa-IR" sz="1800" b="0" i="0" u="none" strike="noStrike" cap="none" normalizeH="0" baseline="0" dirty="0">
                 <a:ln>
                   <a:noFill/>
@@ -4944,7 +4642,48 @@
                 <a:latin typeface="Arial" panose="020B0604020202020204" pitchFamily="34" charset="0"/>
                 <a:cs typeface="Arial" panose="020B0604020202020204" pitchFamily="34" charset="0"/>
               </a:rPr>
-              <a:t>کنترل از طریق صفحه کلید یا رابط وب</a:t>
+              <a:t>تشخیص نور</a:t>
+            </a:r>
+            <a:r>
+              <a:rPr kumimoji="0" lang="fa-IR" altLang="fa-IR" sz="1800" b="0" i="0" u="none" strike="noStrike" cap="none" normalizeH="0" baseline="0" dirty="0">
+                <a:ln>
+                  <a:noFill/>
+                </a:ln>
+                <a:solidFill>
+                  <a:schemeClr val="tx1"/>
+                </a:solidFill>
+                <a:effectLst/>
+                <a:latin typeface="Arial" panose="020B0604020202020204" pitchFamily="34" charset="0"/>
+              </a:rPr>
+              <a:t>)</a:t>
+            </a:r>
+          </a:p>
+          <a:p>
+            <a:pPr marL="0" marR="0" lvl="0" indent="0" algn="r" defTabSz="914400" eaLnBrk="0" fontAlgn="base" latinLnBrk="0" hangingPunct="0">
+              <a:lnSpc>
+                <a:spcPct val="100000"/>
+              </a:lnSpc>
+              <a:spcBef>
+                <a:spcPct val="0"/>
+              </a:spcBef>
+              <a:spcAft>
+                <a:spcPct val="0"/>
+              </a:spcAft>
+              <a:buClrTx/>
+              <a:buSzTx/>
+              <a:buFontTx/>
+              <a:buChar char="•"/>
+              <a:tabLst/>
+            </a:pPr>
+            <a:r>
+              <a:rPr lang="fa-IR" altLang="fa-IR" sz="1800" dirty="0">
+                <a:solidFill>
+                  <a:schemeClr val="tx1"/>
+                </a:solidFill>
+                <a:latin typeface="Arial" panose="020B0604020202020204" pitchFamily="34" charset="0"/>
+                <a:cs typeface="Arial" panose="020B0604020202020204" pitchFamily="34" charset="0"/>
+              </a:rPr>
+              <a:t>بازر</a:t>
             </a:r>
             <a:endParaRPr kumimoji="0" lang="fa-IR" altLang="fa-IR" sz="1800" b="0" i="0" u="none" strike="noStrike" cap="none" normalizeH="0" baseline="0" dirty="0">
               <a:ln>
@@ -4955,6 +4694,159 @@
               </a:solidFill>
               <a:effectLst/>
               <a:latin typeface="Arial" panose="020B0604020202020204" pitchFamily="34" charset="0"/>
+            </a:endParaRPr>
+          </a:p>
+          <a:p>
+            <a:pPr marL="0" marR="0" lvl="0" indent="0" algn="r" defTabSz="914400" eaLnBrk="0" fontAlgn="base" latinLnBrk="0" hangingPunct="0">
+              <a:lnSpc>
+                <a:spcPct val="100000"/>
+              </a:lnSpc>
+              <a:spcBef>
+                <a:spcPct val="0"/>
+              </a:spcBef>
+              <a:spcAft>
+                <a:spcPct val="0"/>
+              </a:spcAft>
+              <a:buClrTx/>
+              <a:buSzTx/>
+              <a:buFontTx/>
+              <a:buChar char="•"/>
+              <a:tabLst/>
+            </a:pPr>
+            <a:r>
+              <a:rPr kumimoji="0" lang="fa-IR" altLang="fa-IR" sz="1800" b="0" i="0" u="none" strike="noStrike" cap="none" normalizeH="0" baseline="0" dirty="0">
+                <a:ln>
+                  <a:noFill/>
+                </a:ln>
+                <a:solidFill>
+                  <a:schemeClr val="tx1"/>
+                </a:solidFill>
+                <a:effectLst/>
+                <a:latin typeface="Arial" panose="020B0604020202020204" pitchFamily="34" charset="0"/>
+              </a:rPr>
+              <a:t>LED</a:t>
+            </a:r>
+            <a:r>
+              <a:rPr kumimoji="0" lang="ar-SA" altLang="fa-IR" sz="1800" b="0" i="0" u="none" strike="noStrike" cap="none" normalizeH="0" baseline="0" dirty="0">
+                <a:ln>
+                  <a:noFill/>
+                </a:ln>
+                <a:solidFill>
+                  <a:schemeClr val="tx1"/>
+                </a:solidFill>
+                <a:effectLst/>
+                <a:latin typeface="Arial" panose="020B0604020202020204" pitchFamily="34" charset="0"/>
+                <a:cs typeface="Arial" panose="020B0604020202020204" pitchFamily="34" charset="0"/>
+              </a:rPr>
+              <a:t>های</a:t>
+            </a:r>
+            <a:r>
+              <a:rPr kumimoji="0" lang="fa-IR" altLang="fa-IR" sz="1800" b="0" i="0" u="none" strike="noStrike" cap="none" normalizeH="0" baseline="0" dirty="0">
+                <a:ln>
+                  <a:noFill/>
+                </a:ln>
+                <a:solidFill>
+                  <a:schemeClr val="tx1"/>
+                </a:solidFill>
+                <a:effectLst/>
+                <a:latin typeface="Arial" panose="020B0604020202020204" pitchFamily="34" charset="0"/>
+              </a:rPr>
+              <a:t> RGB</a:t>
+            </a:r>
+          </a:p>
+          <a:p>
+            <a:pPr marL="0" marR="0" lvl="0" indent="0" algn="r" defTabSz="914400" eaLnBrk="0" fontAlgn="base" latinLnBrk="0" hangingPunct="0">
+              <a:lnSpc>
+                <a:spcPct val="100000"/>
+              </a:lnSpc>
+              <a:spcBef>
+                <a:spcPct val="0"/>
+              </a:spcBef>
+              <a:spcAft>
+                <a:spcPct val="0"/>
+              </a:spcAft>
+              <a:buClrTx/>
+              <a:buSzTx/>
+              <a:buFontTx/>
+              <a:buChar char="•"/>
+              <a:tabLst/>
+            </a:pPr>
+            <a:r>
+              <a:rPr kumimoji="0" lang="ar-SA" altLang="fa-IR" sz="1800" b="0" i="0" u="none" strike="noStrike" cap="none" normalizeH="0" baseline="0" dirty="0">
+                <a:ln>
+                  <a:noFill/>
+                </a:ln>
+                <a:solidFill>
+                  <a:schemeClr val="tx1"/>
+                </a:solidFill>
+                <a:effectLst/>
+                <a:latin typeface="Arial" panose="020B0604020202020204" pitchFamily="34" charset="0"/>
+                <a:cs typeface="Arial" panose="020B0604020202020204" pitchFamily="34" charset="0"/>
+              </a:rPr>
+              <a:t>ماژول</a:t>
+            </a:r>
+            <a:r>
+              <a:rPr kumimoji="0" lang="fa-IR" altLang="fa-IR" sz="1800" b="0" i="0" u="none" strike="noStrike" cap="none" normalizeH="0" baseline="0" dirty="0">
+                <a:ln>
+                  <a:noFill/>
+                </a:ln>
+                <a:solidFill>
+                  <a:schemeClr val="tx1"/>
+                </a:solidFill>
+                <a:effectLst/>
+                <a:latin typeface="Arial" panose="020B0604020202020204" pitchFamily="34" charset="0"/>
+                <a:cs typeface="Arial" panose="020B0604020202020204" pitchFamily="34" charset="0"/>
+              </a:rPr>
+              <a:t> WiFi </a:t>
+            </a:r>
+            <a:r>
+              <a:rPr kumimoji="0" lang="ar-SA" altLang="fa-IR" sz="1800" b="0" i="0" u="none" strike="noStrike" cap="none" normalizeH="0" baseline="0" dirty="0">
+                <a:ln>
+                  <a:noFill/>
+                </a:ln>
+                <a:solidFill>
+                  <a:schemeClr val="tx1"/>
+                </a:solidFill>
+                <a:effectLst/>
+                <a:latin typeface="Arial" panose="020B0604020202020204" pitchFamily="34" charset="0"/>
+                <a:cs typeface="Arial" panose="020B0604020202020204" pitchFamily="34" charset="0"/>
+              </a:rPr>
+              <a:t>داخلی</a:t>
+            </a:r>
+            <a:r>
+              <a:rPr kumimoji="0" lang="fa-IR" altLang="fa-IR" sz="1800" b="0" i="0" u="none" strike="noStrike" cap="none" normalizeH="0" baseline="0" dirty="0">
+                <a:ln>
+                  <a:noFill/>
+                </a:ln>
+                <a:solidFill>
+                  <a:schemeClr val="tx1"/>
+                </a:solidFill>
+                <a:effectLst/>
+                <a:latin typeface="Arial" panose="020B0604020202020204" pitchFamily="34" charset="0"/>
+                <a:cs typeface="Arial" panose="020B0604020202020204" pitchFamily="34" charset="0"/>
+              </a:rPr>
+              <a:t> </a:t>
+            </a:r>
+            <a:r>
+              <a:rPr lang="en-US" altLang="fa-IR" sz="1800" dirty="0">
+                <a:solidFill>
+                  <a:schemeClr val="tx1"/>
+                </a:solidFill>
+                <a:latin typeface="Arial" panose="020B0604020202020204" pitchFamily="34" charset="0"/>
+                <a:cs typeface="Arial" panose="020B0604020202020204" pitchFamily="34" charset="0"/>
+              </a:rPr>
+              <a:t>esp32</a:t>
+            </a:r>
+            <a:endParaRPr kumimoji="0" lang="fa-IR" altLang="fa-IR" sz="1800" b="0" i="0" u="none" strike="noStrike" cap="none" normalizeH="0" baseline="0" dirty="0">
+              <a:ln>
+                <a:noFill/>
+              </a:ln>
+              <a:solidFill>
+                <a:schemeClr val="tx1"/>
+              </a:solidFill>
+              <a:effectLst/>
+              <a:latin typeface="Arial" panose="020B0604020202020204" pitchFamily="34" charset="0"/>
+              <a:cs typeface="Arial" panose="020B0604020202020204" pitchFamily="34" charset="0"/>
             </a:endParaRPr>
           </a:p>
         </p:txBody>
@@ -5013,17 +4905,17 @@
             <a:pPr algn="ctr"/>
             <a:r>
               <a:rPr lang="fa-IR" dirty="0"/>
-              <a:t>ویژگی‌های نرم‌افزاری</a:t>
-            </a:r>
-          </a:p>
-        </p:txBody>
-      </p:sp>
-      <p:sp>
-        <p:nvSpPr>
-          <p:cNvPr id="4" name="Rectangle 1">
+              <a:t>نرم‌افزار پروژه</a:t>
+            </a:r>
+          </a:p>
+        </p:txBody>
+      </p:sp>
+      <p:sp>
+        <p:nvSpPr>
+          <p:cNvPr id="6" name="Rectangle 2">
             <a:extLst>
               <a:ext uri="{FF2B5EF4-FFF2-40B4-BE49-F238E27FC236}">
-                <a16:creationId xmlns:a16="http://schemas.microsoft.com/office/drawing/2014/main" id="{0E44D4BA-6818-CB75-C242-A0E0F07E34AB}"/>
+                <a16:creationId xmlns:a16="http://schemas.microsoft.com/office/drawing/2014/main" id="{8E8F140F-47A2-36B8-AFBA-5AE3CD49BD30}"/>
               </a:ext>
             </a:extLst>
           </p:cNvPr>
@@ -5036,8 +4928,8 @@
         </p:nvSpPr>
         <p:spPr bwMode="auto">
           <a:xfrm>
-            <a:off x="7935813" y="1913975"/>
-            <a:ext cx="3417987" cy="2585323"/>
+            <a:off x="6940063" y="1827034"/>
+            <a:ext cx="4215618" cy="1200329"/>
           </a:xfrm>
           <a:prstGeom prst="rect">
             <a:avLst/>
@@ -5077,7 +4969,7 @@
           </a:extLst>
         </p:spPr>
         <p:txBody>
-          <a:bodyPr vert="horz" wrap="none" lIns="91440" tIns="45720" rIns="91440" bIns="45720" numCol="1" anchor="ctr" anchorCtr="0" compatLnSpc="1">
+          <a:bodyPr vert="horz" wrap="square" lIns="91440" tIns="45720" rIns="91440" bIns="45720" numCol="1" anchor="ctr" anchorCtr="0" compatLnSpc="1">
             <a:prstTxWarp prst="textNoShape">
               <a:avLst/>
             </a:prstTxWarp>
@@ -5085,7 +4977,7 @@
           </a:bodyPr>
           <a:lstStyle/>
           <a:p>
-            <a:pPr marL="0" marR="0" lvl="0" indent="0" algn="r" defTabSz="914400" rtl="1" eaLnBrk="0" fontAlgn="base" latinLnBrk="0" hangingPunct="0">
+            <a:pPr marL="0" marR="0" lvl="0" indent="0" algn="r" defTabSz="914400" eaLnBrk="0" fontAlgn="base" latinLnBrk="0" hangingPunct="0">
               <a:lnSpc>
                 <a:spcPct val="100000"/>
               </a:lnSpc>
@@ -5113,7 +5005,7 @@
                 <a:latin typeface="Arial" panose="020B0604020202020204" pitchFamily="34" charset="0"/>
                 <a:cs typeface="Arial" panose="020B0604020202020204" pitchFamily="34" charset="0"/>
               </a:rPr>
-              <a:t>استفاده از کتابخانه‌های</a:t>
+              <a:t>بک‌اند: برنامه</a:t>
             </a:r>
             <a:r>
               <a:rPr kumimoji="0" lang="fa-IR" altLang="fa-IR" sz="1800" b="0" i="0" u="none" strike="noStrike" cap="none" normalizeH="0" baseline="0" dirty="0">
@@ -5127,7 +5019,49 @@
                 <a:latin typeface="Arial" panose="020B0604020202020204" pitchFamily="34" charset="0"/>
                 <a:cs typeface="Arial" panose="020B0604020202020204" pitchFamily="34" charset="0"/>
               </a:rPr>
-              <a:t>:</a:t>
+              <a:t> C++ </a:t>
+            </a:r>
+            <a:r>
+              <a:rPr kumimoji="0" lang="ar-SA" altLang="fa-IR" sz="1800" b="0" i="0" u="none" strike="noStrike" cap="none" normalizeH="0" baseline="0" dirty="0">
+                <a:ln>
+                  <a:noFill/>
+                </a:ln>
+                <a:solidFill>
+                  <a:schemeClr val="tx1"/>
+                </a:solidFill>
+                <a:effectLst/>
+                <a:latin typeface="Arial" panose="020B0604020202020204" pitchFamily="34" charset="0"/>
+                <a:cs typeface="Arial" panose="020B0604020202020204" pitchFamily="34" charset="0"/>
+              </a:rPr>
+              <a:t>روی</a:t>
+            </a:r>
+            <a:r>
+              <a:rPr kumimoji="0" lang="fa-IR" altLang="fa-IR" sz="1800" b="0" i="0" u="none" strike="noStrike" cap="none" normalizeH="0" baseline="0" dirty="0">
+                <a:ln>
+                  <a:noFill/>
+                </a:ln>
+                <a:solidFill>
+                  <a:schemeClr val="tx1"/>
+                </a:solidFill>
+                <a:effectLst/>
+                <a:latin typeface="Arial" panose="020B0604020202020204" pitchFamily="34" charset="0"/>
+                <a:cs typeface="Arial" panose="020B0604020202020204" pitchFamily="34" charset="0"/>
+              </a:rPr>
+              <a:t> </a:t>
+            </a:r>
+            <a:r>
+              <a:rPr kumimoji="0" lang="en-US" altLang="fa-IR" sz="1800" b="0" i="0" u="none" strike="noStrike" cap="none" normalizeH="0" baseline="0" dirty="0">
+                <a:ln>
+                  <a:noFill/>
+                </a:ln>
+                <a:solidFill>
+                  <a:schemeClr val="tx1"/>
+                </a:solidFill>
+                <a:effectLst/>
+                <a:latin typeface="Arial" panose="020B0604020202020204" pitchFamily="34" charset="0"/>
+                <a:cs typeface="Arial" panose="020B0604020202020204" pitchFamily="34" charset="0"/>
+              </a:rPr>
+              <a:t>esp32</a:t>
             </a:r>
             <a:endParaRPr kumimoji="0" lang="fa-IR" altLang="fa-IR" sz="1800" b="0" i="0" u="none" strike="noStrike" cap="none" normalizeH="0" baseline="0" dirty="0">
               <a:ln>
@@ -5141,7 +5075,7 @@
             </a:endParaRPr>
           </a:p>
           <a:p>
-            <a:pPr marL="0" marR="0" lvl="0" indent="0" algn="r" defTabSz="914400" rtl="1" eaLnBrk="0" fontAlgn="base" latinLnBrk="0" hangingPunct="0">
+            <a:pPr marL="0" marR="0" lvl="0" indent="0" algn="r" defTabSz="914400" eaLnBrk="0" fontAlgn="base" latinLnBrk="0" hangingPunct="0">
               <a:lnSpc>
                 <a:spcPct val="100000"/>
               </a:lnSpc>
@@ -5158,6 +5092,20 @@
               <a:tabLst/>
             </a:pPr>
             <a:r>
+              <a:rPr kumimoji="0" lang="ar-SA" altLang="fa-IR" sz="1800" b="0" i="0" u="none" strike="noStrike" cap="none" normalizeH="0" baseline="0" dirty="0">
+                <a:ln>
+                  <a:noFill/>
+                </a:ln>
+                <a:solidFill>
+                  <a:schemeClr val="tx1"/>
+                </a:solidFill>
+                <a:effectLst/>
+                <a:latin typeface="Arial" panose="020B0604020202020204" pitchFamily="34" charset="0"/>
+                <a:cs typeface="Arial" panose="020B0604020202020204" pitchFamily="34" charset="0"/>
+              </a:rPr>
+              <a:t>فرانت‌اند</a:t>
+            </a:r>
+            <a:r>
               <a:rPr kumimoji="0" lang="fa-IR" altLang="fa-IR" sz="1800" b="0" i="0" u="none" strike="noStrike" cap="none" normalizeH="0" baseline="0" dirty="0">
                 <a:ln>
                   <a:noFill/>
@@ -5167,12 +5115,65 @@
                 </a:solidFill>
                 <a:effectLst/>
                 <a:latin typeface="Arial" panose="020B0604020202020204" pitchFamily="34" charset="0"/>
+                <a:cs typeface="Arial" panose="020B0604020202020204" pitchFamily="34" charset="0"/>
               </a:rPr>
-              <a:t>FastLED</a:t>
-            </a:r>
-          </a:p>
-          <a:p>
-            <a:pPr marL="0" marR="0" lvl="0" indent="0" algn="r" defTabSz="914400" rtl="1" eaLnBrk="0" fontAlgn="base" latinLnBrk="0" hangingPunct="0">
+              <a:t>: React</a:t>
+            </a:r>
+            <a:r>
+              <a:rPr kumimoji="0" lang="en-US" altLang="fa-IR" sz="1800" b="0" i="0" u="none" strike="noStrike" cap="none" normalizeH="0" baseline="0" dirty="0">
+                <a:ln>
+                  <a:noFill/>
+                </a:ln>
+                <a:solidFill>
+                  <a:schemeClr val="tx1"/>
+                </a:solidFill>
+                <a:effectLst/>
+                <a:latin typeface="Arial" panose="020B0604020202020204" pitchFamily="34" charset="0"/>
+                <a:cs typeface="Arial" panose="020B0604020202020204" pitchFamily="34" charset="0"/>
+              </a:rPr>
+              <a:t> </a:t>
+            </a:r>
+            <a:r>
+              <a:rPr kumimoji="0" lang="en-US" altLang="fa-IR" sz="1800" b="0" i="0" u="none" strike="noStrike" cap="none" normalizeH="0" baseline="0" dirty="0" err="1">
+                <a:ln>
+                  <a:noFill/>
+                </a:ln>
+                <a:solidFill>
+                  <a:schemeClr val="tx1"/>
+                </a:solidFill>
+                <a:effectLst/>
+                <a:latin typeface="Arial" panose="020B0604020202020204" pitchFamily="34" charset="0"/>
+                <a:cs typeface="Arial" panose="020B0604020202020204" pitchFamily="34" charset="0"/>
+              </a:rPr>
+              <a:t>js</a:t>
+            </a:r>
+            <a:r>
+              <a:rPr kumimoji="0" lang="fa-IR" altLang="fa-IR" sz="1800" b="0" i="0" u="none" strike="noStrike" cap="none" normalizeH="0" baseline="0" dirty="0">
+                <a:ln>
+                  <a:noFill/>
+                </a:ln>
+                <a:solidFill>
+                  <a:schemeClr val="tx1"/>
+                </a:solidFill>
+                <a:effectLst/>
+                <a:latin typeface="Arial" panose="020B0604020202020204" pitchFamily="34" charset="0"/>
+                <a:cs typeface="Arial" panose="020B0604020202020204" pitchFamily="34" charset="0"/>
+              </a:rPr>
+              <a:t> + Tailwind + Axios</a:t>
+            </a:r>
+            <a:endParaRPr kumimoji="0" lang="fa-IR" altLang="fa-IR" sz="1800" b="0" i="0" u="none" strike="noStrike" cap="none" normalizeH="0" baseline="0" dirty="0">
+              <a:ln>
+                <a:noFill/>
+              </a:ln>
+              <a:solidFill>
+                <a:schemeClr val="tx1"/>
+              </a:solidFill>
+              <a:effectLst/>
+              <a:latin typeface="Arial" panose="020B0604020202020204" pitchFamily="34" charset="0"/>
+            </a:endParaRPr>
+          </a:p>
+          <a:p>
+            <a:pPr marL="0" marR="0" lvl="0" indent="0" algn="r" defTabSz="914400" eaLnBrk="0" fontAlgn="base" latinLnBrk="0" hangingPunct="0">
               <a:lnSpc>
                 <a:spcPct val="100000"/>
               </a:lnSpc>
@@ -5189,6 +5190,20 @@
               <a:tabLst/>
             </a:pPr>
             <a:r>
+              <a:rPr kumimoji="0" lang="ar-SA" altLang="fa-IR" sz="1800" b="0" i="0" u="none" strike="noStrike" cap="none" normalizeH="0" baseline="0" dirty="0">
+                <a:ln>
+                  <a:noFill/>
+                </a:ln>
+                <a:solidFill>
+                  <a:schemeClr val="tx1"/>
+                </a:solidFill>
+                <a:effectLst/>
+                <a:latin typeface="Arial" panose="020B0604020202020204" pitchFamily="34" charset="0"/>
+                <a:cs typeface="Arial" panose="020B0604020202020204" pitchFamily="34" charset="0"/>
+              </a:rPr>
+              <a:t>موبایل: خروجی</a:t>
+            </a:r>
+            <a:r>
               <a:rPr kumimoji="0" lang="fa-IR" altLang="fa-IR" sz="1800" b="0" i="0" u="none" strike="noStrike" cap="none" normalizeH="0" baseline="0" dirty="0">
                 <a:ln>
                   <a:noFill/>
@@ -5198,12 +5213,51 @@
                 </a:solidFill>
                 <a:effectLst/>
                 <a:latin typeface="Arial" panose="020B0604020202020204" pitchFamily="34" charset="0"/>
+                <a:cs typeface="Arial" panose="020B0604020202020204" pitchFamily="34" charset="0"/>
               </a:rPr>
-              <a:t>ESPAsyncWebServer</a:t>
-            </a:r>
-          </a:p>
-          <a:p>
-            <a:pPr marL="0" marR="0" lvl="0" indent="0" algn="r" defTabSz="914400" rtl="1" eaLnBrk="0" fontAlgn="base" latinLnBrk="0" hangingPunct="0">
+              <a:t> Cordova </a:t>
+            </a:r>
+            <a:r>
+              <a:rPr kumimoji="0" lang="ar-SA" altLang="fa-IR" sz="1800" b="0" i="0" u="none" strike="noStrike" cap="none" normalizeH="0" baseline="0" dirty="0">
+                <a:ln>
+                  <a:noFill/>
+                </a:ln>
+                <a:solidFill>
+                  <a:schemeClr val="tx1"/>
+                </a:solidFill>
+                <a:effectLst/>
+                <a:latin typeface="Arial" panose="020B0604020202020204" pitchFamily="34" charset="0"/>
+                <a:cs typeface="Arial" panose="020B0604020202020204" pitchFamily="34" charset="0"/>
+              </a:rPr>
+              <a:t>برای</a:t>
+            </a:r>
+            <a:r>
+              <a:rPr kumimoji="0" lang="fa-IR" altLang="fa-IR" sz="1800" b="0" i="0" u="none" strike="noStrike" cap="none" normalizeH="0" baseline="0" dirty="0">
+                <a:ln>
+                  <a:noFill/>
+                </a:ln>
+                <a:solidFill>
+                  <a:schemeClr val="tx1"/>
+                </a:solidFill>
+                <a:effectLst/>
+                <a:latin typeface="Arial" panose="020B0604020202020204" pitchFamily="34" charset="0"/>
+                <a:cs typeface="Arial" panose="020B0604020202020204" pitchFamily="34" charset="0"/>
+              </a:rPr>
+              <a:t> iOS</a:t>
+            </a:r>
+            <a:endParaRPr kumimoji="0" lang="fa-IR" altLang="fa-IR" sz="1800" b="0" i="0" u="none" strike="noStrike" cap="none" normalizeH="0" baseline="0" dirty="0">
+              <a:ln>
+                <a:noFill/>
+              </a:ln>
+              <a:solidFill>
+                <a:schemeClr val="tx1"/>
+              </a:solidFill>
+              <a:effectLst/>
+              <a:latin typeface="Arial" panose="020B0604020202020204" pitchFamily="34" charset="0"/>
+            </a:endParaRPr>
+          </a:p>
+          <a:p>
+            <a:pPr marL="0" marR="0" lvl="0" indent="0" algn="r" defTabSz="914400" eaLnBrk="0" fontAlgn="base" latinLnBrk="0" hangingPunct="0">
               <a:lnSpc>
                 <a:spcPct val="100000"/>
               </a:lnSpc>
@@ -5230,11 +5284,228 @@
                 <a:effectLst/>
                 <a:latin typeface="Arial" panose="020B0604020202020204" pitchFamily="34" charset="0"/>
               </a:rPr>
-              <a:t>ArduinoJson</a:t>
-            </a:r>
-          </a:p>
-          <a:p>
-            <a:pPr marL="0" marR="0" lvl="0" indent="0" algn="r" defTabSz="914400" rtl="1" eaLnBrk="0" fontAlgn="base" latinLnBrk="0" hangingPunct="0">
+              <a:t>JSON API </a:t>
+            </a:r>
+            <a:r>
+              <a:rPr kumimoji="0" lang="ar-SA" altLang="fa-IR" sz="1800" b="0" i="0" u="none" strike="noStrike" cap="none" normalizeH="0" baseline="0" dirty="0">
+                <a:ln>
+                  <a:noFill/>
+                </a:ln>
+                <a:solidFill>
+                  <a:schemeClr val="tx1"/>
+                </a:solidFill>
+                <a:effectLst/>
+                <a:latin typeface="Arial" panose="020B0604020202020204" pitchFamily="34" charset="0"/>
+                <a:cs typeface="Arial" panose="020B0604020202020204" pitchFamily="34" charset="0"/>
+              </a:rPr>
+              <a:t>برای تبادل داده</a:t>
+            </a:r>
+            <a:endParaRPr kumimoji="0" lang="fa-IR" altLang="fa-IR" sz="1800" b="0" i="0" u="none" strike="noStrike" cap="none" normalizeH="0" baseline="0" dirty="0">
+              <a:ln>
+                <a:noFill/>
+              </a:ln>
+              <a:solidFill>
+                <a:schemeClr val="tx1"/>
+              </a:solidFill>
+              <a:effectLst/>
+              <a:latin typeface="Arial" panose="020B0604020202020204" pitchFamily="34" charset="0"/>
+            </a:endParaRPr>
+          </a:p>
+        </p:txBody>
+      </p:sp>
+    </p:spTree>
+    <p:extLst>
+      <p:ext uri="{BB962C8B-B14F-4D97-AF65-F5344CB8AC3E}">
+        <p14:creationId xmlns:p14="http://schemas.microsoft.com/office/powerpoint/2010/main" val="20139781"/>
+      </p:ext>
+    </p:extLst>
+  </p:cSld>
+  <p:clrMapOvr>
+    <a:masterClrMapping/>
+  </p:clrMapOvr>
+</p:sld>
+</file>
+
+<file path=ppt/slides/slide6.xml><?xml version="1.0" encoding="utf-8"?>
+<p:sld xmlns:a="http://schemas.openxmlformats.org/drawingml/2006/main" xmlns:r="http://schemas.openxmlformats.org/officeDocument/2006/relationships" xmlns:p="http://schemas.openxmlformats.org/presentationml/2006/main">
+  <p:cSld>
+    <p:spTree>
+      <p:nvGrpSpPr>
+        <p:cNvPr id="1" name=""/>
+        <p:cNvGrpSpPr/>
+        <p:nvPr/>
+      </p:nvGrpSpPr>
+      <p:grpSpPr>
+        <a:xfrm>
+          <a:off x="0" y="0"/>
+          <a:ext cx="0" cy="0"/>
+          <a:chOff x="0" y="0"/>
+          <a:chExt cx="0" cy="0"/>
+        </a:xfrm>
+      </p:grpSpPr>
+      <p:pic>
+        <p:nvPicPr>
+          <p:cNvPr id="3" name="Picture 2" descr="A diagram of a web view&#10;&#10;AI-generated content may be incorrect.">
+            <a:extLst>
+              <a:ext uri="{FF2B5EF4-FFF2-40B4-BE49-F238E27FC236}">
+                <a16:creationId xmlns:a16="http://schemas.microsoft.com/office/drawing/2014/main" id="{EB113B07-5920-60B9-3823-8B8A78974364}"/>
+              </a:ext>
+            </a:extLst>
+          </p:cNvPr>
+          <p:cNvPicPr>
+            <a:picLocks noChangeAspect="1"/>
+          </p:cNvPicPr>
+          <p:nvPr/>
+        </p:nvPicPr>
+        <p:blipFill>
+          <a:blip r:embed="rId2">
+            <a:extLst>
+              <a:ext uri="{28A0092B-C50C-407E-A947-70E740481C1C}">
+                <a14:useLocalDpi xmlns:a14="http://schemas.microsoft.com/office/drawing/2010/main" val="0"/>
+              </a:ext>
+            </a:extLst>
+          </a:blip>
+          <a:stretch>
+            <a:fillRect/>
+          </a:stretch>
+        </p:blipFill>
+        <p:spPr>
+          <a:xfrm>
+            <a:off x="2372324" y="122401"/>
+            <a:ext cx="7447352" cy="6114276"/>
+          </a:xfrm>
+          <a:prstGeom prst="rect">
+            <a:avLst/>
+          </a:prstGeom>
+        </p:spPr>
+      </p:pic>
+    </p:spTree>
+    <p:extLst>
+      <p:ext uri="{BB962C8B-B14F-4D97-AF65-F5344CB8AC3E}">
+        <p14:creationId xmlns:p14="http://schemas.microsoft.com/office/powerpoint/2010/main" val="4017504778"/>
+      </p:ext>
+    </p:extLst>
+  </p:cSld>
+  <p:clrMapOvr>
+    <a:masterClrMapping/>
+  </p:clrMapOvr>
+</p:sld>
+</file>
+
+<file path=ppt/slides/slide7.xml><?xml version="1.0" encoding="utf-8"?>
+<p:sld xmlns:a="http://schemas.openxmlformats.org/drawingml/2006/main" xmlns:r="http://schemas.openxmlformats.org/officeDocument/2006/relationships" xmlns:p="http://schemas.openxmlformats.org/presentationml/2006/main">
+  <p:cSld>
+    <p:spTree>
+      <p:nvGrpSpPr>
+        <p:cNvPr id="1" name=""/>
+        <p:cNvGrpSpPr/>
+        <p:nvPr/>
+      </p:nvGrpSpPr>
+      <p:grpSpPr>
+        <a:xfrm>
+          <a:off x="0" y="0"/>
+          <a:ext cx="0" cy="0"/>
+          <a:chOff x="0" y="0"/>
+          <a:chExt cx="0" cy="0"/>
+        </a:xfrm>
+      </p:grpSpPr>
+      <p:sp>
+        <p:nvSpPr>
+          <p:cNvPr id="2" name="Title 1">
+            <a:extLst>
+              <a:ext uri="{FF2B5EF4-FFF2-40B4-BE49-F238E27FC236}">
+                <a16:creationId xmlns:a16="http://schemas.microsoft.com/office/drawing/2014/main" id="{1C806E06-0270-6D15-1B5D-E1543F66C4C6}"/>
+              </a:ext>
+            </a:extLst>
+          </p:cNvPr>
+          <p:cNvSpPr>
+            <a:spLocks noGrp="1"/>
+          </p:cNvSpPr>
+          <p:nvPr>
+            <p:ph type="title"/>
+          </p:nvPr>
+        </p:nvSpPr>
+        <p:spPr/>
+        <p:txBody>
+          <a:bodyPr/>
+          <a:lstStyle/>
+          <a:p>
+            <a:pPr algn="ctr"/>
+            <a:r>
+              <a:rPr lang="fa-IR" dirty="0"/>
+              <a:t>نتیجه‌گیری</a:t>
+            </a:r>
+          </a:p>
+        </p:txBody>
+      </p:sp>
+      <p:sp>
+        <p:nvSpPr>
+          <p:cNvPr id="4" name="Rectangle 1">
+            <a:extLst>
+              <a:ext uri="{FF2B5EF4-FFF2-40B4-BE49-F238E27FC236}">
+                <a16:creationId xmlns:a16="http://schemas.microsoft.com/office/drawing/2014/main" id="{5E0AE97D-335F-9377-61E7-3D7E73C4D31C}"/>
+              </a:ext>
+            </a:extLst>
+          </p:cNvPr>
+          <p:cNvSpPr>
+            <a:spLocks noGrp="1" noChangeArrowheads="1"/>
+          </p:cNvSpPr>
+          <p:nvPr>
+            <p:ph idx="1"/>
+          </p:nvPr>
+        </p:nvSpPr>
+        <p:spPr bwMode="auto">
+          <a:xfrm>
+            <a:off x="5275545" y="1848303"/>
+            <a:ext cx="5880135" cy="923330"/>
+          </a:xfrm>
+          <a:prstGeom prst="rect">
+            <a:avLst/>
+          </a:prstGeom>
+          <a:noFill/>
+          <a:ln>
+            <a:noFill/>
+          </a:ln>
+          <a:effectLst/>
+          <a:extLst>
+            <a:ext uri="{909E8E84-426E-40DD-AFC4-6F175D3DCCD1}">
+              <a14:hiddenFill xmlns:a14="http://schemas.microsoft.com/office/drawing/2010/main">
+                <a:solidFill>
+                  <a:schemeClr val="accent1"/>
+                </a:solidFill>
+              </a14:hiddenFill>
+            </a:ext>
+            <a:ext uri="{91240B29-F687-4F45-9708-019B960494DF}">
+              <a14:hiddenLine xmlns:a14="http://schemas.microsoft.com/office/drawing/2010/main" w="9525">
+                <a:solidFill>
+                  <a:schemeClr val="tx1"/>
+                </a:solidFill>
+                <a:miter lim="800000"/>
+                <a:headEnd/>
+                <a:tailEnd/>
+              </a14:hiddenLine>
+            </a:ext>
+            <a:ext uri="{AF507438-7753-43E0-B8FC-AC1667EBCBE1}">
+              <a14:hiddenEffects xmlns:a14="http://schemas.microsoft.com/office/drawing/2010/main">
+                <a:effectLst>
+                  <a:outerShdw dist="35921" dir="2700000" algn="ctr" rotWithShape="0">
+                    <a:schemeClr val="bg2"/>
+                  </a:outerShdw>
+                </a:effectLst>
+              </a14:hiddenEffects>
+            </a:ext>
+          </a:extLst>
+        </p:spPr>
+        <p:txBody>
+          <a:bodyPr vert="horz" wrap="none" lIns="91440" tIns="45720" rIns="91440" bIns="45720" numCol="1" anchor="ctr" anchorCtr="0" compatLnSpc="1">
+            <a:prstTxWarp prst="textNoShape">
+              <a:avLst/>
+            </a:prstTxWarp>
+            <a:spAutoFit/>
+          </a:bodyPr>
+          <a:lstStyle/>
+          <a:p>
+            <a:pPr marL="0" marR="0" lvl="0" indent="0" algn="r" defTabSz="914400" eaLnBrk="0" fontAlgn="base" latinLnBrk="0" hangingPunct="0">
               <a:lnSpc>
                 <a:spcPct val="100000"/>
               </a:lnSpc>
@@ -5251,7 +5522,7 @@
               <a:tabLst/>
             </a:pPr>
             <a:r>
-              <a:rPr kumimoji="0" lang="fa-IR" altLang="fa-IR" sz="1800" b="0" i="0" u="none" strike="noStrike" cap="none" normalizeH="0" baseline="0" dirty="0">
+              <a:rPr kumimoji="0" lang="ar-SA" altLang="fa-IR" sz="1800" b="0" i="0" u="none" strike="noStrike" cap="none" normalizeH="0" baseline="0" dirty="0">
                 <a:ln>
                   <a:noFill/>
                 </a:ln>
@@ -5260,12 +5531,23 @@
                 </a:solidFill>
                 <a:effectLst/>
                 <a:latin typeface="Arial" panose="020B0604020202020204" pitchFamily="34" charset="0"/>
+                <a:cs typeface="Arial" panose="020B0604020202020204" pitchFamily="34" charset="0"/>
               </a:rPr>
-              <a:t>DHT</a:t>
-            </a:r>
-          </a:p>
-          <a:p>
-            <a:pPr marL="0" marR="0" lvl="0" indent="0" algn="r" defTabSz="914400" rtl="1" eaLnBrk="0" fontAlgn="base" latinLnBrk="0" hangingPunct="0">
+              <a:t>پروژه چه امکاناتی دارد</a:t>
+            </a:r>
+            <a:endParaRPr kumimoji="0" lang="fa-IR" altLang="fa-IR" sz="1800" b="0" i="0" u="none" strike="noStrike" cap="none" normalizeH="0" baseline="0" dirty="0">
+              <a:ln>
+                <a:noFill/>
+              </a:ln>
+              <a:solidFill>
+                <a:schemeClr val="tx1"/>
+              </a:solidFill>
+              <a:effectLst/>
+              <a:latin typeface="Arial" panose="020B0604020202020204" pitchFamily="34" charset="0"/>
+            </a:endParaRPr>
+          </a:p>
+          <a:p>
+            <a:pPr marL="0" marR="0" lvl="0" indent="0" algn="r" defTabSz="914400" eaLnBrk="0" fontAlgn="base" latinLnBrk="0" hangingPunct="0">
               <a:lnSpc>
                 <a:spcPct val="100000"/>
               </a:lnSpc>
@@ -5282,19 +5564,6 @@
               <a:tabLst/>
             </a:pPr>
             <a:r>
-              <a:rPr kumimoji="0" lang="fa-IR" altLang="fa-IR" sz="1800" b="0" i="0" u="none" strike="noStrike" cap="none" normalizeH="0" baseline="0" dirty="0">
-                <a:ln>
-                  <a:noFill/>
-                </a:ln>
-                <a:solidFill>
-                  <a:schemeClr val="tx1"/>
-                </a:solidFill>
-                <a:effectLst/>
-                <a:latin typeface="Arial" panose="020B0604020202020204" pitchFamily="34" charset="0"/>
-              </a:rPr>
-              <a:t>API</a:t>
-            </a:r>
-            <a:r>
               <a:rPr kumimoji="0" lang="ar-SA" altLang="fa-IR" sz="1800" b="0" i="0" u="none" strike="noStrike" cap="none" normalizeH="0" baseline="0" dirty="0">
                 <a:ln>
                   <a:noFill/>
@@ -5306,51 +5575,21 @@
                 <a:latin typeface="Arial" panose="020B0604020202020204" pitchFamily="34" charset="0"/>
                 <a:cs typeface="Arial" panose="020B0604020202020204" pitchFamily="34" charset="0"/>
               </a:rPr>
-              <a:t>های</a:t>
-            </a:r>
-            <a:r>
-              <a:rPr kumimoji="0" lang="fa-IR" altLang="fa-IR" sz="1800" b="0" i="0" u="none" strike="noStrike" cap="none" normalizeH="0" baseline="0" dirty="0">
-                <a:ln>
-                  <a:noFill/>
-                </a:ln>
-                <a:solidFill>
-                  <a:schemeClr val="tx1"/>
-                </a:solidFill>
-                <a:effectLst/>
-                <a:latin typeface="Arial" panose="020B0604020202020204" pitchFamily="34" charset="0"/>
-              </a:rPr>
-              <a:t> HTTP GET </a:t>
-            </a:r>
-            <a:r>
-              <a:rPr kumimoji="0" lang="ar-SA" altLang="fa-IR" sz="1800" b="0" i="0" u="none" strike="noStrike" cap="none" normalizeH="0" baseline="0" dirty="0">
-                <a:ln>
-                  <a:noFill/>
-                </a:ln>
-                <a:solidFill>
-                  <a:schemeClr val="tx1"/>
-                </a:solidFill>
-                <a:effectLst/>
-                <a:latin typeface="Arial" panose="020B0604020202020204" pitchFamily="34" charset="0"/>
-                <a:cs typeface="Arial" panose="020B0604020202020204" pitchFamily="34" charset="0"/>
-              </a:rPr>
-              <a:t>برای</a:t>
-            </a:r>
-            <a:r>
-              <a:rPr kumimoji="0" lang="fa-IR" altLang="fa-IR" sz="1800" b="0" i="0" u="none" strike="noStrike" cap="none" normalizeH="0" baseline="0" dirty="0">
-                <a:ln>
-                  <a:noFill/>
-                </a:ln>
-                <a:solidFill>
-                  <a:schemeClr val="tx1"/>
-                </a:solidFill>
-                <a:effectLst/>
-                <a:latin typeface="Arial" panose="020B0604020202020204" pitchFamily="34" charset="0"/>
-              </a:rPr>
-              <a:t>:</a:t>
-            </a:r>
-          </a:p>
-          <a:p>
-            <a:pPr marL="0" marR="0" lvl="0" indent="0" algn="r" defTabSz="914400" rtl="1" eaLnBrk="0" fontAlgn="base" latinLnBrk="0" hangingPunct="0">
+              <a:t>چرا مفید است (صرفه‌جویی انرژی، امنیت بیشتر، راحتی)</a:t>
+            </a:r>
+            <a:endParaRPr kumimoji="0" lang="fa-IR" altLang="fa-IR" sz="1800" b="0" i="0" u="none" strike="noStrike" cap="none" normalizeH="0" baseline="0" dirty="0">
+              <a:ln>
+                <a:noFill/>
+              </a:ln>
+              <a:solidFill>
+                <a:schemeClr val="tx1"/>
+              </a:solidFill>
+              <a:effectLst/>
+              <a:latin typeface="Arial" panose="020B0604020202020204" pitchFamily="34" charset="0"/>
+            </a:endParaRPr>
+          </a:p>
+          <a:p>
+            <a:pPr marL="0" marR="0" lvl="0" indent="0" algn="r" defTabSz="914400" eaLnBrk="0" fontAlgn="base" latinLnBrk="0" hangingPunct="0">
               <a:lnSpc>
                 <a:spcPct val="100000"/>
               </a:lnSpc>
@@ -5378,7 +5617,7 @@
                 <a:latin typeface="Arial" panose="020B0604020202020204" pitchFamily="34" charset="0"/>
                 <a:cs typeface="Arial" panose="020B0604020202020204" pitchFamily="34" charset="0"/>
               </a:rPr>
-              <a:t>دریافت داده‌ها</a:t>
+              <a:t>پیشنهادات برای توسعه آینده (مثلاً اضافه کردن کنترل صوتی یا اپ اندروید)</a:t>
             </a:r>
             <a:endParaRPr kumimoji="0" lang="fa-IR" altLang="fa-IR" sz="1800" b="0" i="0" u="none" strike="noStrike" cap="none" normalizeH="0" baseline="0" dirty="0">
               <a:ln>
@@ -5391,96 +5630,12 @@
               <a:latin typeface="Arial" panose="020B0604020202020204" pitchFamily="34" charset="0"/>
             </a:endParaRPr>
           </a:p>
-          <a:p>
-            <a:pPr marL="0" marR="0" lvl="0" indent="0" algn="r" defTabSz="914400" rtl="1" eaLnBrk="0" fontAlgn="base" latinLnBrk="0" hangingPunct="0">
-              <a:lnSpc>
-                <a:spcPct val="100000"/>
-              </a:lnSpc>
-              <a:spcBef>
-                <a:spcPct val="0"/>
-              </a:spcBef>
-              <a:spcAft>
-                <a:spcPct val="0"/>
-              </a:spcAft>
-              <a:buClrTx/>
-              <a:buSzTx/>
-              <a:buFontTx/>
-              <a:buChar char="•"/>
-              <a:tabLst/>
-            </a:pPr>
-            <a:r>
-              <a:rPr kumimoji="0" lang="ar-SA" altLang="fa-IR" sz="1800" b="0" i="0" u="none" strike="noStrike" cap="none" normalizeH="0" baseline="0" dirty="0">
-                <a:ln>
-                  <a:noFill/>
-                </a:ln>
-                <a:solidFill>
-                  <a:schemeClr val="tx1"/>
-                </a:solidFill>
-                <a:effectLst/>
-                <a:latin typeface="Arial" panose="020B0604020202020204" pitchFamily="34" charset="0"/>
-                <a:cs typeface="Arial" panose="020B0604020202020204" pitchFamily="34" charset="0"/>
-              </a:rPr>
-              <a:t>تغییر وضعیت</a:t>
-            </a:r>
-            <a:r>
-              <a:rPr kumimoji="0" lang="fa-IR" altLang="fa-IR" sz="1800" b="0" i="0" u="none" strike="noStrike" cap="none" normalizeH="0" baseline="0" dirty="0">
-                <a:ln>
-                  <a:noFill/>
-                </a:ln>
-                <a:solidFill>
-                  <a:schemeClr val="tx1"/>
-                </a:solidFill>
-                <a:effectLst/>
-                <a:latin typeface="Arial" panose="020B0604020202020204" pitchFamily="34" charset="0"/>
-                <a:cs typeface="Arial" panose="020B0604020202020204" pitchFamily="34" charset="0"/>
-              </a:rPr>
-              <a:t> buzzer، heater، light</a:t>
-            </a:r>
-            <a:endParaRPr kumimoji="0" lang="fa-IR" altLang="fa-IR" sz="1800" b="0" i="0" u="none" strike="noStrike" cap="none" normalizeH="0" baseline="0" dirty="0">
-              <a:ln>
-                <a:noFill/>
-              </a:ln>
-              <a:solidFill>
-                <a:schemeClr val="tx1"/>
-              </a:solidFill>
-              <a:effectLst/>
-              <a:latin typeface="Arial" panose="020B0604020202020204" pitchFamily="34" charset="0"/>
-            </a:endParaRPr>
-          </a:p>
-          <a:p>
-            <a:pPr marL="0" marR="0" lvl="0" indent="0" algn="r" defTabSz="914400" rtl="1" eaLnBrk="0" fontAlgn="base" latinLnBrk="0" hangingPunct="0">
-              <a:lnSpc>
-                <a:spcPct val="100000"/>
-              </a:lnSpc>
-              <a:spcBef>
-                <a:spcPct val="0"/>
-              </a:spcBef>
-              <a:spcAft>
-                <a:spcPct val="0"/>
-              </a:spcAft>
-              <a:buClrTx/>
-              <a:buSzTx/>
-              <a:buFontTx/>
-              <a:buNone/>
-              <a:tabLst/>
-            </a:pPr>
-            <a:endParaRPr kumimoji="0" lang="fa-IR" altLang="fa-IR" sz="1800" b="0" i="0" u="none" strike="noStrike" cap="none" normalizeH="0" baseline="0" dirty="0">
-              <a:ln>
-                <a:noFill/>
-              </a:ln>
-              <a:solidFill>
-                <a:schemeClr val="tx1"/>
-              </a:solidFill>
-              <a:effectLst/>
-              <a:latin typeface="Arial" panose="020B0604020202020204" pitchFamily="34" charset="0"/>
-            </a:endParaRPr>
-          </a:p>
         </p:txBody>
       </p:sp>
     </p:spTree>
     <p:extLst>
       <p:ext uri="{BB962C8B-B14F-4D97-AF65-F5344CB8AC3E}">
-        <p14:creationId xmlns:p14="http://schemas.microsoft.com/office/powerpoint/2010/main" val="20139781"/>
+        <p14:creationId xmlns:p14="http://schemas.microsoft.com/office/powerpoint/2010/main" val="3049920464"/>
       </p:ext>
     </p:extLst>
   </p:cSld>
